--- a/JD_Accelerated_Database_Recovery.pptx
+++ b/JD_Accelerated_Database_Recovery.pptx
@@ -6,26 +6,25 @@
     <p:sldMasterId id="2147484874" r:id="rId2"/>
   </p:sldMasterIdLst>
   <p:notesMasterIdLst>
-    <p:notesMasterId r:id="rId20"/>
+    <p:notesMasterId r:id="rId19"/>
   </p:notesMasterIdLst>
   <p:sldIdLst>
     <p:sldId id="2103813174" r:id="rId3"/>
     <p:sldId id="11112" r:id="rId4"/>
-    <p:sldId id="11111" r:id="rId5"/>
-    <p:sldId id="1612" r:id="rId6"/>
-    <p:sldId id="1693" r:id="rId7"/>
-    <p:sldId id="370" r:id="rId8"/>
-    <p:sldId id="365" r:id="rId9"/>
-    <p:sldId id="363" r:id="rId10"/>
-    <p:sldId id="398" r:id="rId11"/>
-    <p:sldId id="1695" r:id="rId12"/>
-    <p:sldId id="1696" r:id="rId13"/>
-    <p:sldId id="1697" r:id="rId14"/>
-    <p:sldId id="414" r:id="rId15"/>
-    <p:sldId id="11114" r:id="rId16"/>
-    <p:sldId id="368" r:id="rId17"/>
-    <p:sldId id="11113" r:id="rId18"/>
-    <p:sldId id="530" r:id="rId19"/>
+    <p:sldId id="1612" r:id="rId5"/>
+    <p:sldId id="1693" r:id="rId6"/>
+    <p:sldId id="370" r:id="rId7"/>
+    <p:sldId id="365" r:id="rId8"/>
+    <p:sldId id="363" r:id="rId9"/>
+    <p:sldId id="398" r:id="rId10"/>
+    <p:sldId id="1695" r:id="rId11"/>
+    <p:sldId id="1696" r:id="rId12"/>
+    <p:sldId id="1697" r:id="rId13"/>
+    <p:sldId id="414" r:id="rId14"/>
+    <p:sldId id="11114" r:id="rId15"/>
+    <p:sldId id="368" r:id="rId16"/>
+    <p:sldId id="11113" r:id="rId17"/>
+    <p:sldId id="530" r:id="rId18"/>
   </p:sldIdLst>
   <p:sldSz cx="12192000" cy="6858000"/>
   <p:notesSz cx="6858000" cy="9144000"/>
@@ -131,7 +130,6 @@
           <p14:sldIdLst>
             <p14:sldId id="2103813174"/>
             <p14:sldId id="11112"/>
-            <p14:sldId id="11111"/>
             <p14:sldId id="1612"/>
           </p14:sldIdLst>
         </p14:section>
@@ -5810,10 +5808,9 @@
             <a:buNone/>
           </a:pPr>
           <a:r>
-            <a:rPr lang="en-US" sz="2800"/>
+            <a:rPr lang="en-US" sz="2400" dirty="0"/>
             <a:t>Accelerated Database Recovery is a new SQL Server Engine feature that greatly improves database availability by completely redesigning the current SQL Server recovery process.</a:t>
           </a:r>
-          <a:endParaRPr lang="en-US" sz="2800" dirty="0"/>
         </a:p>
       </dgm:t>
     </dgm:pt>
@@ -5847,10 +5844,9 @@
         <a:lstStyle/>
         <a:p>
           <a:r>
-            <a:rPr lang="en-US" sz="2800"/>
+            <a:rPr lang="en-US" sz="2400" dirty="0"/>
             <a:t>Instantaneous Transaction Rollback</a:t>
           </a:r>
-          <a:endParaRPr lang="en-US" sz="2800" dirty="0"/>
         </a:p>
       </dgm:t>
     </dgm:pt>
@@ -5884,10 +5880,9 @@
         <a:lstStyle/>
         <a:p>
           <a:r>
-            <a:rPr lang="en-US" sz="2800"/>
+            <a:rPr lang="en-US" sz="2400" dirty="0"/>
             <a:t>Aggressive Log Truncation</a:t>
           </a:r>
-          <a:endParaRPr lang="en-US" sz="2800" dirty="0"/>
         </a:p>
       </dgm:t>
     </dgm:pt>
@@ -5921,7 +5916,7 @@
         <a:lstStyle/>
         <a:p>
           <a:r>
-            <a:rPr lang="en-US" sz="2800" dirty="0"/>
+            <a:rPr lang="en-US" sz="2400" dirty="0"/>
             <a:t>Benefits of Accelerated Database Recovery</a:t>
           </a:r>
         </a:p>
@@ -5957,10 +5952,9 @@
         <a:lstStyle/>
         <a:p>
           <a:r>
-            <a:rPr lang="en-US" sz="2800"/>
+            <a:rPr lang="en-US" sz="2400" dirty="0"/>
             <a:t>Fast &amp; Consistent Database Recovery</a:t>
           </a:r>
-          <a:endParaRPr lang="en-US" sz="2800" dirty="0"/>
         </a:p>
       </dgm:t>
     </dgm:pt>
@@ -5986,7 +5980,7 @@
         </a:p>
       </dgm:t>
     </dgm:pt>
-    <dgm:pt modelId="{B22F8FA8-F338-44D2-9FAB-CDC7841CB7E3}">
+    <dgm:pt modelId="{B7DB2447-84D6-441A-A192-D199A04888DD}">
       <dgm:prSet phldrT="[Text]" custT="1"/>
       <dgm:spPr/>
       <dgm:t>
@@ -5994,18 +5988,13 @@
         <a:lstStyle/>
         <a:p>
           <a:r>
-            <a:rPr lang="en-US" sz="2800" dirty="0"/>
-            <a:t>Available in </a:t>
+            <a:rPr lang="en-US" sz="2400" dirty="0"/>
+            <a:t>Reduces contention on TempDB database.</a:t>
           </a:r>
-          <a:r>
-            <a:rPr lang="en-US" sz="2800"/>
-            <a:t>Standard Edition</a:t>
-          </a:r>
-          <a:endParaRPr lang="en-US" sz="2800" dirty="0"/>
         </a:p>
       </dgm:t>
     </dgm:pt>
-    <dgm:pt modelId="{1EDD8FDB-836E-4B7E-9C76-203F37DEC481}" type="parTrans" cxnId="{038B8086-815E-4432-838D-17FD73A8961E}">
+    <dgm:pt modelId="{1CF70F3E-1972-445E-B9D2-053FD7482596}" type="parTrans" cxnId="{6FD3DAF9-ECBB-49D0-B88A-AE5CD3FE174C}">
       <dgm:prSet/>
       <dgm:spPr/>
       <dgm:t>
@@ -6016,7 +6005,7 @@
         </a:p>
       </dgm:t>
     </dgm:pt>
-    <dgm:pt modelId="{DB08005C-4AC9-40DA-B27E-CAC9E1CEF08B}" type="sibTrans" cxnId="{038B8086-815E-4432-838D-17FD73A8961E}">
+    <dgm:pt modelId="{E8F73EED-986F-4722-A80A-796837208FA9}" type="sibTrans" cxnId="{6FD3DAF9-ECBB-49D0-B88A-AE5CD3FE174C}">
       <dgm:prSet/>
       <dgm:spPr/>
       <dgm:t>
@@ -6050,7 +6039,7 @@
       <dgm:spPr/>
     </dgm:pt>
     <dgm:pt modelId="{4ED4E62A-4DDC-454A-88F2-242CDFA00F3D}" type="pres">
-      <dgm:prSet presAssocID="{93C69BF1-0744-4F8F-AE95-28AC6A15B8DE}" presName="parentText" presStyleLbl="node1" presStyleIdx="1" presStyleCnt="2">
+      <dgm:prSet presAssocID="{93C69BF1-0744-4F8F-AE95-28AC6A15B8DE}" presName="parentText" presStyleLbl="node1" presStyleIdx="1" presStyleCnt="2" custLinFactNeighborY="-7633">
         <dgm:presLayoutVars>
           <dgm:chMax val="0"/>
           <dgm:bulletEnabled val="1"/>
@@ -6059,7 +6048,7 @@
       <dgm:spPr/>
     </dgm:pt>
     <dgm:pt modelId="{595EDD90-9212-4156-B1DB-98711D5E9571}" type="pres">
-      <dgm:prSet presAssocID="{93C69BF1-0744-4F8F-AE95-28AC6A15B8DE}" presName="childText" presStyleLbl="revTx" presStyleIdx="0" presStyleCnt="1">
+      <dgm:prSet presAssocID="{93C69BF1-0744-4F8F-AE95-28AC6A15B8DE}" presName="childText" presStyleLbl="revTx" presStyleIdx="0" presStyleCnt="1" custLinFactNeighborX="335" custLinFactNeighborY="-6027">
         <dgm:presLayoutVars>
           <dgm:bulletEnabled val="1"/>
         </dgm:presLayoutVars>
@@ -6069,18 +6058,18 @@
   </dgm:ptLst>
   <dgm:cxnLst>
     <dgm:cxn modelId="{E5F61C1B-EB70-490F-9774-44091F6B9EE9}" srcId="{EA61F937-A520-4079-8EDE-3D0B9EFB6721}" destId="{93C69BF1-0744-4F8F-AE95-28AC6A15B8DE}" srcOrd="1" destOrd="0" parTransId="{FC826051-81DA-43E1-B217-DFB343EFBB1A}" sibTransId="{F0896EA8-9B83-49AE-A9B3-02F3512EA5C0}"/>
-    <dgm:cxn modelId="{A49AA033-7B70-48D4-8639-8DDE8DC0D6C1}" type="presOf" srcId="{B22F8FA8-F338-44D2-9FAB-CDC7841CB7E3}" destId="{595EDD90-9212-4156-B1DB-98711D5E9571}" srcOrd="0" destOrd="3" presId="urn:microsoft.com/office/officeart/2005/8/layout/vList2"/>
     <dgm:cxn modelId="{61998438-CD7C-4E8F-9F7F-521B751E2959}" srcId="{93C69BF1-0744-4F8F-AE95-28AC6A15B8DE}" destId="{BA7303A2-7DD8-4090-9F0C-BE81B83F5574}" srcOrd="1" destOrd="0" parTransId="{9833935A-0858-40A1-A5C3-EFDB74E2E8BB}" sibTransId="{7E75CBE3-6B50-4F3D-9E8B-8186885E0DED}"/>
     <dgm:cxn modelId="{AC0CD069-BB7D-4488-8D3A-FD11D5DB4BFC}" type="presOf" srcId="{E403518E-EDA4-4C57-A426-D95B32E52594}" destId="{595EDD90-9212-4156-B1DB-98711D5E9571}" srcOrd="0" destOrd="0" presId="urn:microsoft.com/office/officeart/2005/8/layout/vList2"/>
     <dgm:cxn modelId="{F8A6AD7D-930F-478E-941E-CDD3DCFA95EA}" srcId="{93C69BF1-0744-4F8F-AE95-28AC6A15B8DE}" destId="{78941C23-C52B-46B3-A3EE-F8F5C9BAF49C}" srcOrd="2" destOrd="0" parTransId="{30FFC52C-251A-42D3-8E90-568318FEE75A}" sibTransId="{A55650EE-FBCD-4C5C-A7D6-CB753B324105}"/>
     <dgm:cxn modelId="{18EC9284-CBBA-4CA1-AEF7-E26BF1A00D57}" type="presOf" srcId="{B0F5A4F3-5D33-4357-BBB2-38A1DF48EE64}" destId="{23391FB6-B363-43B4-A61A-8E77F77F6DE0}" srcOrd="0" destOrd="0" presId="urn:microsoft.com/office/officeart/2005/8/layout/vList2"/>
-    <dgm:cxn modelId="{038B8086-815E-4432-838D-17FD73A8961E}" srcId="{93C69BF1-0744-4F8F-AE95-28AC6A15B8DE}" destId="{B22F8FA8-F338-44D2-9FAB-CDC7841CB7E3}" srcOrd="3" destOrd="0" parTransId="{1EDD8FDB-836E-4B7E-9C76-203F37DEC481}" sibTransId="{DB08005C-4AC9-40DA-B27E-CAC9E1CEF08B}"/>
     <dgm:cxn modelId="{65273290-0E49-4B88-845B-BCF0B12D5BE3}" srcId="{93C69BF1-0744-4F8F-AE95-28AC6A15B8DE}" destId="{E403518E-EDA4-4C57-A426-D95B32E52594}" srcOrd="0" destOrd="0" parTransId="{A985651C-5A39-41D3-B178-8A503F50FBD9}" sibTransId="{B6C115A8-A00C-4F47-8818-87D35376163E}"/>
+    <dgm:cxn modelId="{A155D9BE-D2C2-4D3C-A7D5-F509995EEA30}" type="presOf" srcId="{B7DB2447-84D6-441A-A192-D199A04888DD}" destId="{595EDD90-9212-4156-B1DB-98711D5E9571}" srcOrd="0" destOrd="3" presId="urn:microsoft.com/office/officeart/2005/8/layout/vList2"/>
     <dgm:cxn modelId="{B4B564C1-E04B-4B54-8892-5EF2A2FCBC6E}" type="presOf" srcId="{EA61F937-A520-4079-8EDE-3D0B9EFB6721}" destId="{38F9E3BB-11C2-4CD4-BD05-5409F14AD387}" srcOrd="0" destOrd="0" presId="urn:microsoft.com/office/officeart/2005/8/layout/vList2"/>
     <dgm:cxn modelId="{3F7716CD-8201-4337-B919-63807D1EFB02}" type="presOf" srcId="{BA7303A2-7DD8-4090-9F0C-BE81B83F5574}" destId="{595EDD90-9212-4156-B1DB-98711D5E9571}" srcOrd="0" destOrd="1" presId="urn:microsoft.com/office/officeart/2005/8/layout/vList2"/>
     <dgm:cxn modelId="{C41D6BCF-E328-4A62-BE77-69D5A39087A0}" type="presOf" srcId="{78941C23-C52B-46B3-A3EE-F8F5C9BAF49C}" destId="{595EDD90-9212-4156-B1DB-98711D5E9571}" srcOrd="0" destOrd="2" presId="urn:microsoft.com/office/officeart/2005/8/layout/vList2"/>
     <dgm:cxn modelId="{879857D8-9093-40A5-969C-D684F1DCB374}" srcId="{EA61F937-A520-4079-8EDE-3D0B9EFB6721}" destId="{B0F5A4F3-5D33-4357-BBB2-38A1DF48EE64}" srcOrd="0" destOrd="0" parTransId="{88C5C4D9-1E71-45C8-8E03-6760BC05C705}" sibTransId="{2F57A9DE-A97A-4722-B358-B56D774774BF}"/>
     <dgm:cxn modelId="{BEE9DFF5-7EFD-4BE7-9C40-C7CFA9B3C14A}" type="presOf" srcId="{93C69BF1-0744-4F8F-AE95-28AC6A15B8DE}" destId="{4ED4E62A-4DDC-454A-88F2-242CDFA00F3D}" srcOrd="0" destOrd="0" presId="urn:microsoft.com/office/officeart/2005/8/layout/vList2"/>
+    <dgm:cxn modelId="{6FD3DAF9-ECBB-49D0-B88A-AE5CD3FE174C}" srcId="{93C69BF1-0744-4F8F-AE95-28AC6A15B8DE}" destId="{B7DB2447-84D6-441A-A192-D199A04888DD}" srcOrd="3" destOrd="0" parTransId="{1CF70F3E-1972-445E-B9D2-053FD7482596}" sibTransId="{E8F73EED-986F-4722-A80A-796837208FA9}"/>
     <dgm:cxn modelId="{DD6007F6-250D-499F-A394-6A56383F03B4}" type="presParOf" srcId="{38F9E3BB-11C2-4CD4-BD05-5409F14AD387}" destId="{23391FB6-B363-43B4-A61A-8E77F77F6DE0}" srcOrd="0" destOrd="0" presId="urn:microsoft.com/office/officeart/2005/8/layout/vList2"/>
     <dgm:cxn modelId="{EEB48DF0-A406-47F0-B4BE-7521CF4CFA2D}" type="presParOf" srcId="{38F9E3BB-11C2-4CD4-BD05-5409F14AD387}" destId="{20ED642C-986E-454D-9882-EF28CBB01A25}" srcOrd="1" destOrd="0" presId="urn:microsoft.com/office/officeart/2005/8/layout/vList2"/>
     <dgm:cxn modelId="{91A11C19-BDD1-437C-BC1E-394CFA69DB1C}" type="presParOf" srcId="{38F9E3BB-11C2-4CD4-BD05-5409F14AD387}" destId="{4ED4E62A-4DDC-454A-88F2-242CDFA00F3D}" srcOrd="2" destOrd="0" presId="urn:microsoft.com/office/officeart/2005/8/layout/vList2"/>
@@ -6778,7 +6767,83 @@
               <a:ea typeface="+mn-ea"/>
               <a:cs typeface="Segoe UI Light" panose="020B0502040204020203" pitchFamily="34" charset="0"/>
             </a:rPr>
-            <a:t>Secondary in-memory log stream that stores log records for non-versioned operations (e.g.: metadata cache invalidation, lock acquisitions);</a:t>
+            <a:t>Secondary in-memory log stream that stores log records for non-versioned </a:t>
+          </a:r>
+          <a:r>
+            <a:rPr lang="en-US" sz="2400">
+              <a:gradFill>
+                <a:gsLst>
+                  <a:gs pos="1250">
+                    <a:schemeClr val="tx1"/>
+                  </a:gs>
+                  <a:gs pos="100000">
+                    <a:schemeClr val="tx1"/>
+                  </a:gs>
+                </a:gsLst>
+                <a:lin ang="5400000" scaled="0"/>
+              </a:gradFill>
+              <a:latin typeface="Segoe UI Light" panose="020B0502040204020203" pitchFamily="34" charset="0"/>
+              <a:ea typeface="+mn-ea"/>
+              <a:cs typeface="Segoe UI Light" panose="020B0502040204020203" pitchFamily="34" charset="0"/>
+            </a:rPr>
+            <a:t>operations (Example</a:t>
+          </a:r>
+          <a:r>
+            <a:rPr lang="en-US" sz="2400" dirty="0">
+              <a:gradFill>
+                <a:gsLst>
+                  <a:gs pos="1250">
+                    <a:schemeClr val="tx1"/>
+                  </a:gs>
+                  <a:gs pos="100000">
+                    <a:schemeClr val="tx1"/>
+                  </a:gs>
+                </a:gsLst>
+                <a:lin ang="5400000" scaled="0"/>
+              </a:gradFill>
+              <a:latin typeface="Segoe UI Light" panose="020B0502040204020203" pitchFamily="34" charset="0"/>
+              <a:ea typeface="+mn-ea"/>
+              <a:cs typeface="Segoe UI Light" panose="020B0502040204020203" pitchFamily="34" charset="0"/>
+            </a:rPr>
+            <a:t>: Bulk operations, Lock acquisitions, </a:t>
+          </a:r>
+          <a:r>
+            <a:rPr lang="en-US" sz="2400" dirty="0" err="1">
+              <a:gradFill>
+                <a:gsLst>
+                  <a:gs pos="1250">
+                    <a:schemeClr val="tx1"/>
+                  </a:gs>
+                  <a:gs pos="100000">
+                    <a:schemeClr val="tx1"/>
+                  </a:gs>
+                </a:gsLst>
+                <a:lin ang="5400000" scaled="0"/>
+              </a:gradFill>
+              <a:latin typeface="Segoe UI Light" panose="020B0502040204020203" pitchFamily="34" charset="0"/>
+              <a:ea typeface="+mn-ea"/>
+              <a:cs typeface="Segoe UI Light" panose="020B0502040204020203" pitchFamily="34" charset="0"/>
+            </a:rPr>
+            <a:t>etc</a:t>
+          </a:r>
+          <a:r>
+            <a:rPr lang="en-US" sz="2400" dirty="0">
+              <a:gradFill>
+                <a:gsLst>
+                  <a:gs pos="1250">
+                    <a:schemeClr val="tx1"/>
+                  </a:gs>
+                  <a:gs pos="100000">
+                    <a:schemeClr val="tx1"/>
+                  </a:gs>
+                </a:gsLst>
+                <a:lin ang="5400000" scaled="0"/>
+              </a:gradFill>
+              <a:latin typeface="Segoe UI Light" panose="020B0502040204020203" pitchFamily="34" charset="0"/>
+              <a:ea typeface="+mn-ea"/>
+              <a:cs typeface="Segoe UI Light" panose="020B0502040204020203" pitchFamily="34" charset="0"/>
+            </a:rPr>
+            <a:t>…);</a:t>
           </a:r>
         </a:p>
       </dgm:t>
@@ -8230,8 +8295,8 @@
       </dsp:nvSpPr>
       <dsp:spPr>
         <a:xfrm>
-          <a:off x="0" y="3794"/>
-          <a:ext cx="11372850" cy="1605900"/>
+          <a:off x="0" y="173145"/>
+          <a:ext cx="11372850" cy="1444949"/>
         </a:xfrm>
         <a:prstGeom prst="roundRect">
           <a:avLst/>
@@ -8272,12 +8337,12 @@
         </a:fontRef>
       </dsp:style>
       <dsp:txBody>
-        <a:bodyPr spcFirstLastPara="0" vert="horz" wrap="square" lIns="106680" tIns="106680" rIns="106680" bIns="106680" numCol="1" spcCol="1270" anchor="ctr" anchorCtr="0">
+        <a:bodyPr spcFirstLastPara="0" vert="horz" wrap="square" lIns="91440" tIns="91440" rIns="91440" bIns="91440" numCol="1" spcCol="1270" anchor="ctr" anchorCtr="0">
           <a:noAutofit/>
         </a:bodyPr>
         <a:lstStyle/>
         <a:p>
-          <a:pPr marL="0" lvl="0" indent="0" algn="l" defTabSz="1244600">
+          <a:pPr marL="0" lvl="0" indent="0" algn="l" defTabSz="1066800">
             <a:lnSpc>
               <a:spcPct val="90000"/>
             </a:lnSpc>
@@ -8290,15 +8355,14 @@
             <a:buNone/>
           </a:pPr>
           <a:r>
-            <a:rPr lang="en-US" sz="2800" kern="1200"/>
+            <a:rPr lang="en-US" sz="2400" kern="1200" dirty="0"/>
             <a:t>Accelerated Database Recovery is a new SQL Server Engine feature that greatly improves database availability by completely redesigning the current SQL Server recovery process.</a:t>
           </a:r>
-          <a:endParaRPr lang="en-US" sz="2800" kern="1200" dirty="0"/>
         </a:p>
       </dsp:txBody>
       <dsp:txXfrm>
-        <a:off x="78394" y="82188"/>
-        <a:ext cx="11216062" cy="1449112"/>
+        <a:off x="70537" y="243682"/>
+        <a:ext cx="11231776" cy="1303875"/>
       </dsp:txXfrm>
     </dsp:sp>
     <dsp:sp modelId="{4ED4E62A-4DDC-454A-88F2-242CDFA00F3D}">
@@ -8308,8 +8372,8 @@
       </dsp:nvSpPr>
       <dsp:spPr>
         <a:xfrm>
-          <a:off x="0" y="1623421"/>
-          <a:ext cx="11372850" cy="1605900"/>
+          <a:off x="0" y="1669215"/>
+          <a:ext cx="11372850" cy="1444949"/>
         </a:xfrm>
         <a:prstGeom prst="roundRect">
           <a:avLst/>
@@ -8350,12 +8414,12 @@
         </a:fontRef>
       </dsp:style>
       <dsp:txBody>
-        <a:bodyPr spcFirstLastPara="0" vert="horz" wrap="square" lIns="106680" tIns="106680" rIns="106680" bIns="106680" numCol="1" spcCol="1270" anchor="ctr" anchorCtr="0">
+        <a:bodyPr spcFirstLastPara="0" vert="horz" wrap="square" lIns="91440" tIns="91440" rIns="91440" bIns="91440" numCol="1" spcCol="1270" anchor="ctr" anchorCtr="0">
           <a:noAutofit/>
         </a:bodyPr>
         <a:lstStyle/>
         <a:p>
-          <a:pPr marL="0" lvl="0" indent="0" algn="l" defTabSz="1244600">
+          <a:pPr marL="0" lvl="0" indent="0" algn="l" defTabSz="1066800">
             <a:lnSpc>
               <a:spcPct val="90000"/>
             </a:lnSpc>
@@ -8368,14 +8432,14 @@
             <a:buNone/>
           </a:pPr>
           <a:r>
-            <a:rPr lang="en-US" sz="2800" kern="1200" dirty="0"/>
+            <a:rPr lang="en-US" sz="2400" kern="1200" dirty="0"/>
             <a:t>Benefits of Accelerated Database Recovery</a:t>
           </a:r>
         </a:p>
       </dsp:txBody>
       <dsp:txXfrm>
-        <a:off x="78394" y="1701815"/>
-        <a:ext cx="11216062" cy="1449112"/>
+        <a:off x="70537" y="1739752"/>
+        <a:ext cx="11231776" cy="1303875"/>
       </dsp:txXfrm>
     </dsp:sp>
     <dsp:sp modelId="{595EDD90-9212-4156-B1DB-98711D5E9571}">
@@ -8385,8 +8449,8 @@
       </dsp:nvSpPr>
       <dsp:spPr>
         <a:xfrm>
-          <a:off x="0" y="3229321"/>
-          <a:ext cx="11372850" cy="1973061"/>
+          <a:off x="0" y="3163158"/>
+          <a:ext cx="11372850" cy="1782787"/>
         </a:xfrm>
         <a:prstGeom prst="rect">
           <a:avLst/>
@@ -8410,12 +8474,12 @@
         <a:fontRef idx="minor"/>
       </dsp:style>
       <dsp:txBody>
-        <a:bodyPr spcFirstLastPara="0" vert="horz" wrap="square" lIns="361088" tIns="35560" rIns="199136" bIns="35560" numCol="1" spcCol="1270" anchor="t" anchorCtr="0">
+        <a:bodyPr spcFirstLastPara="0" vert="horz" wrap="square" lIns="361088" tIns="30480" rIns="170688" bIns="30480" numCol="1" spcCol="1270" anchor="t" anchorCtr="0">
           <a:noAutofit/>
         </a:bodyPr>
         <a:lstStyle/>
         <a:p>
-          <a:pPr marL="285750" lvl="1" indent="-285750" algn="l" defTabSz="1244600">
+          <a:pPr marL="228600" lvl="1" indent="-228600" algn="l" defTabSz="1066800">
             <a:lnSpc>
               <a:spcPct val="90000"/>
             </a:lnSpc>
@@ -8428,13 +8492,12 @@
             <a:buChar char="•"/>
           </a:pPr>
           <a:r>
-            <a:rPr lang="en-US" sz="2800" kern="1200"/>
+            <a:rPr lang="en-US" sz="2400" kern="1200" dirty="0"/>
             <a:t>Fast &amp; Consistent Database Recovery</a:t>
           </a:r>
-          <a:endParaRPr lang="en-US" sz="2800" kern="1200" dirty="0"/>
         </a:p>
         <a:p>
-          <a:pPr marL="285750" lvl="1" indent="-285750" algn="l" defTabSz="1244600">
+          <a:pPr marL="228600" lvl="1" indent="-228600" algn="l" defTabSz="1066800">
             <a:lnSpc>
               <a:spcPct val="90000"/>
             </a:lnSpc>
@@ -8447,13 +8510,12 @@
             <a:buChar char="•"/>
           </a:pPr>
           <a:r>
-            <a:rPr lang="en-US" sz="2800" kern="1200"/>
+            <a:rPr lang="en-US" sz="2400" kern="1200" dirty="0"/>
             <a:t>Instantaneous Transaction Rollback</a:t>
           </a:r>
-          <a:endParaRPr lang="en-US" sz="2800" kern="1200" dirty="0"/>
         </a:p>
         <a:p>
-          <a:pPr marL="285750" lvl="1" indent="-285750" algn="l" defTabSz="1244600">
+          <a:pPr marL="228600" lvl="1" indent="-228600" algn="l" defTabSz="1066800">
             <a:lnSpc>
               <a:spcPct val="90000"/>
             </a:lnSpc>
@@ -8466,13 +8528,12 @@
             <a:buChar char="•"/>
           </a:pPr>
           <a:r>
-            <a:rPr lang="en-US" sz="2800" kern="1200"/>
+            <a:rPr lang="en-US" sz="2400" kern="1200" dirty="0"/>
             <a:t>Aggressive Log Truncation</a:t>
           </a:r>
-          <a:endParaRPr lang="en-US" sz="2800" kern="1200" dirty="0"/>
         </a:p>
         <a:p>
-          <a:pPr marL="285750" lvl="1" indent="-285750" algn="l" defTabSz="1244600">
+          <a:pPr marL="228600" lvl="1" indent="-228600" algn="l" defTabSz="1066800">
             <a:lnSpc>
               <a:spcPct val="90000"/>
             </a:lnSpc>
@@ -8485,19 +8546,14 @@
             <a:buChar char="•"/>
           </a:pPr>
           <a:r>
-            <a:rPr lang="en-US" sz="2800" kern="1200" dirty="0"/>
-            <a:t>Available in </a:t>
+            <a:rPr lang="en-US" sz="2400" kern="1200" dirty="0"/>
+            <a:t>Reduces contention on TempDB database.</a:t>
           </a:r>
-          <a:r>
-            <a:rPr lang="en-US" sz="2800" kern="1200"/>
-            <a:t>Standard Edition</a:t>
-          </a:r>
-          <a:endParaRPr lang="en-US" sz="2800" kern="1200" dirty="0"/>
         </a:p>
       </dsp:txBody>
       <dsp:txXfrm>
-        <a:off x="0" y="3229321"/>
-        <a:ext cx="11372850" cy="1973061"/>
+        <a:off x="0" y="3163158"/>
+        <a:ext cx="11372850" cy="1782787"/>
       </dsp:txXfrm>
     </dsp:sp>
   </dsp:spTree>
@@ -9170,7 +9226,83 @@
               <a:ea typeface="+mn-ea"/>
               <a:cs typeface="Segoe UI Light" panose="020B0502040204020203" pitchFamily="34" charset="0"/>
             </a:rPr>
-            <a:t>Secondary in-memory log stream that stores log records for non-versioned operations (e.g.: metadata cache invalidation, lock acquisitions);</a:t>
+            <a:t>Secondary in-memory log stream that stores log records for non-versioned </a:t>
+          </a:r>
+          <a:r>
+            <a:rPr lang="en-US" sz="2400" kern="1200">
+              <a:gradFill>
+                <a:gsLst>
+                  <a:gs pos="1250">
+                    <a:schemeClr val="tx1"/>
+                  </a:gs>
+                  <a:gs pos="100000">
+                    <a:schemeClr val="tx1"/>
+                  </a:gs>
+                </a:gsLst>
+                <a:lin ang="5400000" scaled="0"/>
+              </a:gradFill>
+              <a:latin typeface="Segoe UI Light" panose="020B0502040204020203" pitchFamily="34" charset="0"/>
+              <a:ea typeface="+mn-ea"/>
+              <a:cs typeface="Segoe UI Light" panose="020B0502040204020203" pitchFamily="34" charset="0"/>
+            </a:rPr>
+            <a:t>operations (Example</a:t>
+          </a:r>
+          <a:r>
+            <a:rPr lang="en-US" sz="2400" kern="1200" dirty="0">
+              <a:gradFill>
+                <a:gsLst>
+                  <a:gs pos="1250">
+                    <a:schemeClr val="tx1"/>
+                  </a:gs>
+                  <a:gs pos="100000">
+                    <a:schemeClr val="tx1"/>
+                  </a:gs>
+                </a:gsLst>
+                <a:lin ang="5400000" scaled="0"/>
+              </a:gradFill>
+              <a:latin typeface="Segoe UI Light" panose="020B0502040204020203" pitchFamily="34" charset="0"/>
+              <a:ea typeface="+mn-ea"/>
+              <a:cs typeface="Segoe UI Light" panose="020B0502040204020203" pitchFamily="34" charset="0"/>
+            </a:rPr>
+            <a:t>: Bulk operations, Lock acquisitions, </a:t>
+          </a:r>
+          <a:r>
+            <a:rPr lang="en-US" sz="2400" kern="1200" dirty="0" err="1">
+              <a:gradFill>
+                <a:gsLst>
+                  <a:gs pos="1250">
+                    <a:schemeClr val="tx1"/>
+                  </a:gs>
+                  <a:gs pos="100000">
+                    <a:schemeClr val="tx1"/>
+                  </a:gs>
+                </a:gsLst>
+                <a:lin ang="5400000" scaled="0"/>
+              </a:gradFill>
+              <a:latin typeface="Segoe UI Light" panose="020B0502040204020203" pitchFamily="34" charset="0"/>
+              <a:ea typeface="+mn-ea"/>
+              <a:cs typeface="Segoe UI Light" panose="020B0502040204020203" pitchFamily="34" charset="0"/>
+            </a:rPr>
+            <a:t>etc</a:t>
+          </a:r>
+          <a:r>
+            <a:rPr lang="en-US" sz="2400" kern="1200" dirty="0">
+              <a:gradFill>
+                <a:gsLst>
+                  <a:gs pos="1250">
+                    <a:schemeClr val="tx1"/>
+                  </a:gs>
+                  <a:gs pos="100000">
+                    <a:schemeClr val="tx1"/>
+                  </a:gs>
+                </a:gsLst>
+                <a:lin ang="5400000" scaled="0"/>
+              </a:gradFill>
+              <a:latin typeface="Segoe UI Light" panose="020B0502040204020203" pitchFamily="34" charset="0"/>
+              <a:ea typeface="+mn-ea"/>
+              <a:cs typeface="Segoe UI Light" panose="020B0502040204020203" pitchFamily="34" charset="0"/>
+            </a:rPr>
+            <a:t>…);</a:t>
           </a:r>
         </a:p>
         <a:p>
@@ -18595,7 +18727,7 @@
           <a:p>
             <a:fld id="{CFBA6064-FDE0-48E8-9405-22609F48ED19}" type="datetimeFigureOut">
               <a:rPr lang="en-US" smtClean="0"/>
-              <a:t>2/9/2022</a:t>
+              <a:t>6/9/2022</a:t>
             </a:fld>
             <a:endParaRPr lang="en-US"/>
           </a:p>
@@ -19080,7 +19212,7 @@
                 <a:effectLst/>
                 <a:latin typeface="Segoe UI" panose="020B0502040204020203" pitchFamily="34" charset="0"/>
               </a:rPr>
-              <a:t>sLog</a:t>
+              <a:t>Cleaner</a:t>
             </a:r>
             <a:endParaRPr lang="en-US" sz="1200" b="0" i="0" dirty="0">
               <a:solidFill>
@@ -19103,87 +19235,7 @@
                 <a:effectLst/>
                 <a:latin typeface="Segoe UI" panose="020B0502040204020203" pitchFamily="34" charset="0"/>
               </a:rPr>
-              <a:t>sLog is a secondary in-memory log stream that stores log records for non-versioned operations (such as metadata cache invalidation, lock acquisitions, and so on). The sLog is:</a:t>
-            </a:r>
-          </a:p>
-          <a:p>
-            <a:pPr marL="742950" lvl="1" indent="-285750" algn="l">
-              <a:buFont typeface="Arial" panose="020B0604020202020204" pitchFamily="34" charset="0"/>
-              <a:buChar char="•"/>
-            </a:pPr>
-            <a:r>
-              <a:rPr lang="en-US" sz="1200" b="0" i="0" dirty="0">
-                <a:solidFill>
-                  <a:schemeClr val="tx1"/>
-                </a:solidFill>
-                <a:effectLst/>
-                <a:latin typeface="Segoe UI" panose="020B0502040204020203" pitchFamily="34" charset="0"/>
-              </a:rPr>
-              <a:t>Low volume and in-memory</a:t>
-            </a:r>
-          </a:p>
-          <a:p>
-            <a:pPr marL="742950" lvl="1" indent="-285750" algn="l">
-              <a:buFont typeface="Arial" panose="020B0604020202020204" pitchFamily="34" charset="0"/>
-              <a:buChar char="•"/>
-            </a:pPr>
-            <a:r>
-              <a:rPr lang="en-US" sz="1200" b="0" i="0" dirty="0">
-                <a:solidFill>
-                  <a:schemeClr val="tx1"/>
-                </a:solidFill>
-                <a:effectLst/>
-                <a:latin typeface="Segoe UI" panose="020B0502040204020203" pitchFamily="34" charset="0"/>
-              </a:rPr>
-              <a:t>Persisted on disk by being serialized during the checkpoint process</a:t>
-            </a:r>
-          </a:p>
-          <a:p>
-            <a:pPr marL="742950" lvl="1" indent="-285750" algn="l">
-              <a:buFont typeface="Arial" panose="020B0604020202020204" pitchFamily="34" charset="0"/>
-              <a:buChar char="•"/>
-            </a:pPr>
-            <a:r>
-              <a:rPr lang="en-US" sz="1200" b="0" i="0" dirty="0">
-                <a:solidFill>
-                  <a:schemeClr val="tx1"/>
-                </a:solidFill>
-                <a:effectLst/>
-                <a:latin typeface="Segoe UI" panose="020B0502040204020203" pitchFamily="34" charset="0"/>
-              </a:rPr>
-              <a:t>Periodically truncated as transactions commit</a:t>
-            </a:r>
-          </a:p>
-          <a:p>
-            <a:pPr marL="742950" lvl="1" indent="-285750" algn="l">
-              <a:buFont typeface="Arial" panose="020B0604020202020204" pitchFamily="34" charset="0"/>
-              <a:buChar char="•"/>
-            </a:pPr>
-            <a:r>
-              <a:rPr lang="en-US" sz="1200" b="0" i="0" dirty="0">
-                <a:solidFill>
-                  <a:schemeClr val="tx1"/>
-                </a:solidFill>
-                <a:effectLst/>
-                <a:latin typeface="Segoe UI" panose="020B0502040204020203" pitchFamily="34" charset="0"/>
-              </a:rPr>
-              <a:t>Accelerates redo and undo by processing only the non-versioned operations</a:t>
-            </a:r>
-          </a:p>
-          <a:p>
-            <a:pPr marL="742950" lvl="1" indent="-285750" algn="l">
-              <a:buFont typeface="Arial" panose="020B0604020202020204" pitchFamily="34" charset="0"/>
-              <a:buChar char="•"/>
-            </a:pPr>
-            <a:r>
-              <a:rPr lang="en-US" sz="1200" b="0" i="0" dirty="0">
-                <a:solidFill>
-                  <a:schemeClr val="tx1"/>
-                </a:solidFill>
-                <a:effectLst/>
-                <a:latin typeface="Segoe UI" panose="020B0502040204020203" pitchFamily="34" charset="0"/>
-              </a:rPr>
-              <a:t>Enables aggressive transaction log truncation by preserving only the required log records</a:t>
+              <a:t>The cleaner is the asynchronous process that wakes up periodically and cleans page versions that are not needed.</a:t>
             </a:r>
           </a:p>
           <a:p>
@@ -19225,7 +19277,7 @@
             <a:fld id="{EA2B2ED8-C573-45EF-BF68-CEC19505703A}" type="datetime8">
               <a:rPr lang="en-US" smtClean="0"/>
               <a:pPr/>
-              <a:t>2/9/2022 4:04 PM</a:t>
+              <a:t>6/9/2022 10:19 PM</a:t>
             </a:fld>
             <a:endParaRPr lang="en-US" dirty="0"/>
           </a:p>
@@ -19323,7 +19375,7 @@
     </p:spTree>
     <p:extLst>
       <p:ext uri="{BB962C8B-B14F-4D97-AF65-F5344CB8AC3E}">
-        <p14:creationId xmlns:p14="http://schemas.microsoft.com/office/powerpoint/2010/main" val="1851516857"/>
+        <p14:creationId xmlns:p14="http://schemas.microsoft.com/office/powerpoint/2010/main" val="1434848484"/>
       </p:ext>
     </p:extLst>
   </p:cSld>
@@ -19334,6 +19386,707 @@
 </file>
 
 <file path=ppt/notesSlides/notesSlide11.xml><?xml version="1.0" encoding="utf-8"?>
+<p:notes xmlns:a="http://schemas.openxmlformats.org/drawingml/2006/main" xmlns:r="http://schemas.openxmlformats.org/officeDocument/2006/relationships" xmlns:p="http://schemas.openxmlformats.org/presentationml/2006/main">
+  <p:cSld>
+    <p:spTree>
+      <p:nvGrpSpPr>
+        <p:cNvPr id="1" name=""/>
+        <p:cNvGrpSpPr/>
+        <p:nvPr/>
+      </p:nvGrpSpPr>
+      <p:grpSpPr>
+        <a:xfrm>
+          <a:off x="0" y="0"/>
+          <a:ext cx="0" cy="0"/>
+          <a:chOff x="0" y="0"/>
+          <a:chExt cx="0" cy="0"/>
+        </a:xfrm>
+      </p:grpSpPr>
+      <p:sp>
+        <p:nvSpPr>
+          <p:cNvPr id="2" name="Slide Image Placeholder 1"/>
+          <p:cNvSpPr>
+            <a:spLocks noGrp="1" noRot="1" noChangeAspect="1"/>
+          </p:cNvSpPr>
+          <p:nvPr>
+            <p:ph type="sldImg"/>
+          </p:nvPr>
+        </p:nvSpPr>
+        <p:spPr/>
+      </p:sp>
+      <p:sp>
+        <p:nvSpPr>
+          <p:cNvPr id="3" name="Notes Placeholder 2"/>
+          <p:cNvSpPr>
+            <a:spLocks noGrp="1"/>
+          </p:cNvSpPr>
+          <p:nvPr>
+            <p:ph type="body" idx="1"/>
+          </p:nvPr>
+        </p:nvSpPr>
+        <p:spPr/>
+        <p:txBody>
+          <a:bodyPr/>
+          <a:lstStyle/>
+          <a:p>
+            <a:pPr algn="l"/>
+            <a:r>
+              <a:rPr lang="en-US" sz="1200" b="0" i="0" dirty="0">
+                <a:solidFill>
+                  <a:schemeClr val="tx1"/>
+                </a:solidFill>
+                <a:effectLst/>
+                <a:latin typeface="+mn-lt"/>
+              </a:rPr>
+              <a:t>ADR addresses these issues by completely redesigning the SQL Server database engine recovery process  by making recovery instantaneous by avoiding having to scan the log from/to the beginning of the oldest active transaction. </a:t>
+            </a:r>
+          </a:p>
+          <a:p>
+            <a:pPr algn="l"/>
+            <a:endParaRPr lang="en-US" sz="1200" b="0" i="0" dirty="0">
+              <a:solidFill>
+                <a:schemeClr val="tx1"/>
+              </a:solidFill>
+              <a:effectLst/>
+              <a:latin typeface="+mn-lt"/>
+            </a:endParaRPr>
+          </a:p>
+          <a:p>
+            <a:pPr algn="l"/>
+            <a:r>
+              <a:rPr lang="en-US" sz="1200" b="0" i="0" dirty="0">
+                <a:solidFill>
+                  <a:schemeClr val="tx1"/>
+                </a:solidFill>
+                <a:effectLst/>
+                <a:latin typeface="+mn-lt"/>
+              </a:rPr>
+              <a:t>With ADR, the transaction log is only processed from the last successful checkpoint (or oldest dirty page Log Sequence Number (LSN)). As a result, recovery time is not impacted by long running transactions.</a:t>
+            </a:r>
+          </a:p>
+          <a:p>
+            <a:pPr algn="l">
+              <a:buFont typeface="Arial" panose="020B0604020202020204" pitchFamily="34" charset="0"/>
+              <a:buNone/>
+            </a:pPr>
+            <a:endParaRPr lang="en-US" sz="1200" b="0" i="0" dirty="0">
+              <a:solidFill>
+                <a:schemeClr val="tx1"/>
+              </a:solidFill>
+              <a:effectLst/>
+              <a:latin typeface="+mn-lt"/>
+            </a:endParaRPr>
+          </a:p>
+          <a:p>
+            <a:pPr algn="l">
+              <a:buFont typeface="Arial" panose="020B0604020202020204" pitchFamily="34" charset="0"/>
+              <a:buNone/>
+            </a:pPr>
+            <a:r>
+              <a:rPr lang="en-US" sz="1200" b="0" i="0" dirty="0">
+                <a:solidFill>
+                  <a:schemeClr val="tx1"/>
+                </a:solidFill>
+                <a:effectLst/>
+                <a:latin typeface="+mn-lt"/>
+              </a:rPr>
+              <a:t>Minimize the required transaction log space since there is no longer a need to process the log for the whole transaction. As a result, the transaction log can be truncated aggressively as checkpoints and backups occur.</a:t>
+            </a:r>
+          </a:p>
+          <a:p>
+            <a:pPr algn="l"/>
+            <a:endParaRPr lang="en-US" sz="1200" b="0" i="0" dirty="0">
+              <a:solidFill>
+                <a:schemeClr val="tx1"/>
+              </a:solidFill>
+              <a:effectLst/>
+              <a:latin typeface="+mn-lt"/>
+            </a:endParaRPr>
+          </a:p>
+          <a:p>
+            <a:pPr algn="l"/>
+            <a:r>
+              <a:rPr lang="en-US" sz="1200" b="0" i="0" dirty="0">
+                <a:solidFill>
+                  <a:schemeClr val="tx1"/>
+                </a:solidFill>
+                <a:effectLst/>
+                <a:latin typeface="+mn-lt"/>
+              </a:rPr>
+              <a:t>At a high level, ADR achieves fast database recovery by versioning all physical database modifications and </a:t>
+            </a:r>
+          </a:p>
+          <a:p>
+            <a:pPr algn="l"/>
+            <a:r>
+              <a:rPr lang="en-US" sz="1200" b="0" i="0" dirty="0">
+                <a:solidFill>
+                  <a:schemeClr val="tx1"/>
+                </a:solidFill>
+                <a:effectLst/>
+                <a:latin typeface="+mn-lt"/>
+              </a:rPr>
+              <a:t>only undoing logical operations, which are limited and can be undone almost instantly. Any transaction that was active as of the time of a crash are marked as aborted and, therefore, any versions generated by these transactions can be ignored by concurrent user queries.</a:t>
+            </a:r>
+          </a:p>
+          <a:p>
+            <a:endParaRPr lang="en-US" sz="1200" b="1" i="0" kern="1200" dirty="0">
+              <a:solidFill>
+                <a:schemeClr val="tx1"/>
+              </a:solidFill>
+              <a:effectLst/>
+              <a:latin typeface="+mn-lt"/>
+              <a:ea typeface="+mn-ea"/>
+              <a:cs typeface="+mn-cs"/>
+            </a:endParaRPr>
+          </a:p>
+          <a:p>
+            <a:r>
+              <a:rPr lang="en-US" sz="1200" b="1" i="0" kern="1200" dirty="0">
+                <a:solidFill>
+                  <a:schemeClr val="tx1"/>
+                </a:solidFill>
+                <a:effectLst/>
+                <a:latin typeface="+mn-lt"/>
+                <a:ea typeface="+mn-ea"/>
+                <a:cs typeface="+mn-cs"/>
+              </a:rPr>
+              <a:t>Analysis phase</a:t>
+            </a:r>
+            <a:endParaRPr lang="en-US" sz="1200" b="0" i="0" kern="1200" dirty="0">
+              <a:solidFill>
+                <a:schemeClr val="tx1"/>
+              </a:solidFill>
+              <a:effectLst/>
+              <a:latin typeface="+mn-lt"/>
+              <a:ea typeface="+mn-ea"/>
+              <a:cs typeface="+mn-cs"/>
+            </a:endParaRPr>
+          </a:p>
+          <a:p>
+            <a:r>
+              <a:rPr lang="en-US" sz="1200" b="0" i="0" kern="1200" dirty="0">
+                <a:solidFill>
+                  <a:schemeClr val="tx1"/>
+                </a:solidFill>
+                <a:effectLst/>
+                <a:latin typeface="+mn-lt"/>
+                <a:ea typeface="+mn-ea"/>
+                <a:cs typeface="+mn-cs"/>
+              </a:rPr>
+              <a:t>The process remains the same as today with the addition of reconstructing sLog and copying log records for non-versioned operations.</a:t>
+            </a:r>
+          </a:p>
+          <a:p>
+            <a:r>
+              <a:rPr lang="en-US" sz="1200" b="1" i="0" kern="1200" dirty="0">
+                <a:solidFill>
+                  <a:schemeClr val="tx1"/>
+                </a:solidFill>
+                <a:effectLst/>
+                <a:latin typeface="+mn-lt"/>
+                <a:ea typeface="+mn-ea"/>
+                <a:cs typeface="+mn-cs"/>
+              </a:rPr>
+              <a:t>Redo</a:t>
+            </a:r>
+            <a:r>
+              <a:rPr lang="en-US" sz="1200" b="0" i="0" kern="1200" dirty="0">
+                <a:solidFill>
+                  <a:schemeClr val="tx1"/>
+                </a:solidFill>
+                <a:effectLst/>
+                <a:latin typeface="+mn-lt"/>
+                <a:ea typeface="+mn-ea"/>
+                <a:cs typeface="+mn-cs"/>
+              </a:rPr>
+              <a:t> phase</a:t>
+            </a:r>
+          </a:p>
+          <a:p>
+            <a:r>
+              <a:rPr lang="en-US" sz="1200" b="0" i="0" kern="1200" dirty="0">
+                <a:solidFill>
+                  <a:schemeClr val="tx1"/>
+                </a:solidFill>
+                <a:effectLst/>
+                <a:latin typeface="+mn-lt"/>
+                <a:ea typeface="+mn-ea"/>
+                <a:cs typeface="+mn-cs"/>
+              </a:rPr>
+              <a:t>Broken into two phases (P)</a:t>
+            </a:r>
+          </a:p>
+          <a:p>
+            <a:pPr lvl="1"/>
+            <a:r>
+              <a:rPr lang="en-US" sz="1200" b="0" i="0" kern="1200" dirty="0">
+                <a:solidFill>
+                  <a:schemeClr val="tx1"/>
+                </a:solidFill>
+                <a:effectLst/>
+                <a:latin typeface="+mn-lt"/>
+                <a:ea typeface="+mn-ea"/>
+                <a:cs typeface="+mn-cs"/>
+              </a:rPr>
+              <a:t>Phase 1</a:t>
+            </a:r>
+          </a:p>
+          <a:p>
+            <a:pPr lvl="1"/>
+            <a:r>
+              <a:rPr lang="en-US" sz="1200" b="0" i="0" kern="1200" dirty="0">
+                <a:solidFill>
+                  <a:schemeClr val="tx1"/>
+                </a:solidFill>
+                <a:effectLst/>
+                <a:latin typeface="+mn-lt"/>
+                <a:ea typeface="+mn-ea"/>
+                <a:cs typeface="+mn-cs"/>
+              </a:rPr>
+              <a:t>Redo from sLog (oldest uncommitted transaction up to last checkpoint). Redo is a fast operation as it only needs to process a few records from the sLog.</a:t>
+            </a:r>
+          </a:p>
+          <a:p>
+            <a:pPr lvl="1"/>
+            <a:r>
+              <a:rPr lang="en-US" sz="1200" b="0" i="0" kern="1200" dirty="0">
+                <a:solidFill>
+                  <a:schemeClr val="tx1"/>
+                </a:solidFill>
+                <a:effectLst/>
+                <a:latin typeface="+mn-lt"/>
+                <a:ea typeface="+mn-ea"/>
+                <a:cs typeface="+mn-cs"/>
+              </a:rPr>
+              <a:t>Phase 2</a:t>
+            </a:r>
+          </a:p>
+          <a:p>
+            <a:pPr lvl="1"/>
+            <a:r>
+              <a:rPr lang="en-US" sz="1200" b="0" i="0" kern="1200" dirty="0">
+                <a:solidFill>
+                  <a:schemeClr val="tx1"/>
+                </a:solidFill>
+                <a:effectLst/>
+                <a:latin typeface="+mn-lt"/>
+                <a:ea typeface="+mn-ea"/>
+                <a:cs typeface="+mn-cs"/>
+              </a:rPr>
+              <a:t>Redo from Transaction Log starts from last checkpoint (instead of oldest uncommitted transaction)</a:t>
+            </a:r>
+          </a:p>
+          <a:p>
+            <a:r>
+              <a:rPr lang="en-US" sz="1200" b="1" i="0" kern="1200" dirty="0">
+                <a:solidFill>
+                  <a:schemeClr val="tx1"/>
+                </a:solidFill>
+                <a:effectLst/>
+                <a:latin typeface="+mn-lt"/>
+                <a:ea typeface="+mn-ea"/>
+                <a:cs typeface="+mn-cs"/>
+              </a:rPr>
+              <a:t>Undo phase</a:t>
+            </a:r>
+            <a:endParaRPr lang="en-US" sz="1200" b="0" i="0" kern="1200" dirty="0">
+              <a:solidFill>
+                <a:schemeClr val="tx1"/>
+              </a:solidFill>
+              <a:effectLst/>
+              <a:latin typeface="+mn-lt"/>
+              <a:ea typeface="+mn-ea"/>
+              <a:cs typeface="+mn-cs"/>
+            </a:endParaRPr>
+          </a:p>
+          <a:p>
+            <a:r>
+              <a:rPr lang="en-US" sz="1200" b="0" i="0" kern="1200" dirty="0">
+                <a:solidFill>
+                  <a:schemeClr val="tx1"/>
+                </a:solidFill>
+                <a:effectLst/>
+                <a:latin typeface="+mn-lt"/>
+                <a:ea typeface="+mn-ea"/>
+                <a:cs typeface="+mn-cs"/>
+              </a:rPr>
+              <a:t>The Undo phase with ADR completes almost instantaneously by using sLog to undo non-versioned operations and Persisted Version Store (PVS) with Logical Revert to perform row level version-based Undo.</a:t>
+            </a:r>
+          </a:p>
+          <a:p>
+            <a:endParaRPr lang="en-US" sz="1200" b="0" i="0" kern="1200" dirty="0">
+              <a:solidFill>
+                <a:schemeClr val="tx1"/>
+              </a:solidFill>
+              <a:effectLst/>
+              <a:latin typeface="+mn-lt"/>
+              <a:ea typeface="+mn-ea"/>
+              <a:cs typeface="+mn-cs"/>
+            </a:endParaRPr>
+          </a:p>
+          <a:p>
+            <a:pPr algn="l"/>
+            <a:r>
+              <a:rPr lang="en-US" sz="1200" b="1" i="0" dirty="0">
+                <a:solidFill>
+                  <a:schemeClr val="tx1"/>
+                </a:solidFill>
+                <a:effectLst/>
+                <a:latin typeface="+mn-lt"/>
+              </a:rPr>
+              <a:t>The following types of workloads benefit most from ADR:</a:t>
+            </a:r>
+          </a:p>
+          <a:p>
+            <a:pPr algn="l">
+              <a:buFont typeface="Arial" panose="020B0604020202020204" pitchFamily="34" charset="0"/>
+              <a:buChar char="•"/>
+            </a:pPr>
+            <a:r>
+              <a:rPr lang="en-US" sz="1200" b="0" i="0" dirty="0">
+                <a:solidFill>
+                  <a:schemeClr val="tx1"/>
+                </a:solidFill>
+                <a:effectLst/>
+                <a:latin typeface="+mn-lt"/>
+              </a:rPr>
+              <a:t>Workloads with long-running transactions.</a:t>
+            </a:r>
+          </a:p>
+          <a:p>
+            <a:pPr algn="l">
+              <a:buFont typeface="Arial" panose="020B0604020202020204" pitchFamily="34" charset="0"/>
+              <a:buChar char="•"/>
+            </a:pPr>
+            <a:r>
+              <a:rPr lang="en-US" sz="1200" b="0" i="0" dirty="0">
+                <a:solidFill>
+                  <a:schemeClr val="tx1"/>
+                </a:solidFill>
+                <a:effectLst/>
+                <a:latin typeface="+mn-lt"/>
+              </a:rPr>
+              <a:t>Workloads that have seen cases where active transactions are causing the transaction log to grow significantly.</a:t>
+            </a:r>
+          </a:p>
+          <a:p>
+            <a:pPr algn="l">
+              <a:buFont typeface="Arial" panose="020B0604020202020204" pitchFamily="34" charset="0"/>
+              <a:buChar char="•"/>
+            </a:pPr>
+            <a:r>
+              <a:rPr lang="en-US" sz="1200" b="0" i="0" dirty="0">
+                <a:solidFill>
+                  <a:schemeClr val="tx1"/>
+                </a:solidFill>
+                <a:effectLst/>
+                <a:latin typeface="+mn-lt"/>
+              </a:rPr>
+              <a:t>Workloads that have experienced long periods of database unavailability due to long running recovery (such as unexpected service restart or manual transaction rollback).</a:t>
+            </a:r>
+          </a:p>
+          <a:p>
+            <a:endParaRPr lang="en-US" sz="1200" b="0" i="0" kern="1200" dirty="0">
+              <a:solidFill>
+                <a:schemeClr val="tx1"/>
+              </a:solidFill>
+              <a:effectLst/>
+              <a:latin typeface="+mn-lt"/>
+              <a:ea typeface="+mn-ea"/>
+              <a:cs typeface="+mn-cs"/>
+            </a:endParaRPr>
+          </a:p>
+          <a:p>
+            <a:pPr marL="0" marR="0" lvl="0" indent="0" algn="l" defTabSz="932742" rtl="0" eaLnBrk="1" fontAlgn="auto" latinLnBrk="0" hangingPunct="1">
+              <a:lnSpc>
+                <a:spcPct val="90000"/>
+              </a:lnSpc>
+              <a:spcBef>
+                <a:spcPts val="0"/>
+              </a:spcBef>
+              <a:spcAft>
+                <a:spcPts val="340"/>
+              </a:spcAft>
+              <a:buClrTx/>
+              <a:buSzTx/>
+              <a:buFontTx/>
+              <a:buNone/>
+              <a:tabLst/>
+              <a:defRPr/>
+            </a:pPr>
+            <a:endParaRPr lang="en-US" sz="1200" dirty="0">
+              <a:latin typeface="+mn-lt"/>
+              <a:hlinkClick r:id="" action="ppaction://noaction"/>
+            </a:endParaRPr>
+          </a:p>
+          <a:p>
+            <a:pPr marL="0" marR="0" lvl="0" indent="0" algn="l" defTabSz="932742" rtl="0" eaLnBrk="1" fontAlgn="auto" latinLnBrk="0" hangingPunct="1">
+              <a:lnSpc>
+                <a:spcPct val="90000"/>
+              </a:lnSpc>
+              <a:spcBef>
+                <a:spcPts val="0"/>
+              </a:spcBef>
+              <a:spcAft>
+                <a:spcPts val="340"/>
+              </a:spcAft>
+              <a:buClrTx/>
+              <a:buSzTx/>
+              <a:buFontTx/>
+              <a:buNone/>
+              <a:tabLst/>
+              <a:defRPr/>
+            </a:pPr>
+            <a:r>
+              <a:rPr lang="en-US" sz="1200" dirty="0">
+                <a:latin typeface="+mn-lt"/>
+                <a:hlinkClick r:id="" action="ppaction://noaction"/>
+              </a:rPr>
+              <a:t>https://docs.microsoft.com/en-us/azure/sql-database/sql-database-accelerated-database-recovery</a:t>
+            </a:r>
+            <a:endParaRPr lang="en-US" sz="1200" dirty="0">
+              <a:latin typeface="+mn-lt"/>
+            </a:endParaRPr>
+          </a:p>
+          <a:p>
+            <a:endParaRPr lang="en-US" dirty="0"/>
+          </a:p>
+        </p:txBody>
+      </p:sp>
+      <p:sp>
+        <p:nvSpPr>
+          <p:cNvPr id="4" name="Header Placeholder 3"/>
+          <p:cNvSpPr>
+            <a:spLocks noGrp="1"/>
+          </p:cNvSpPr>
+          <p:nvPr>
+            <p:ph type="hdr" sz="quarter" idx="10"/>
+          </p:nvPr>
+        </p:nvSpPr>
+        <p:spPr/>
+        <p:txBody>
+          <a:bodyPr/>
+          <a:lstStyle/>
+          <a:p>
+            <a:endParaRPr lang="en-US" dirty="0"/>
+          </a:p>
+        </p:txBody>
+      </p:sp>
+      <p:sp>
+        <p:nvSpPr>
+          <p:cNvPr id="5" name="Footer Placeholder 4"/>
+          <p:cNvSpPr>
+            <a:spLocks noGrp="1"/>
+          </p:cNvSpPr>
+          <p:nvPr>
+            <p:ph type="ftr" sz="quarter" idx="11"/>
+          </p:nvPr>
+        </p:nvSpPr>
+        <p:spPr/>
+        <p:txBody>
+          <a:bodyPr/>
+          <a:lstStyle/>
+          <a:p>
+            <a:pPr defTabSz="914099" eaLnBrk="0" hangingPunct="0"/>
+            <a:r>
+              <a:rPr lang="en-US" sz="400" dirty="0">
+                <a:gradFill>
+                  <a:gsLst>
+                    <a:gs pos="0">
+                      <a:prstClr val="black"/>
+                    </a:gs>
+                    <a:gs pos="100000">
+                      <a:prstClr val="black"/>
+                    </a:gs>
+                  </a:gsLst>
+                  <a:lin ang="5400000" scaled="0"/>
+                </a:gradFill>
+                <a:latin typeface="Segoe UI" pitchFamily="34" charset="0"/>
+                <a:ea typeface="Segoe UI" pitchFamily="34" charset="0"/>
+                <a:cs typeface="Segoe UI" pitchFamily="34" charset="0"/>
+              </a:rPr>
+              <a:t>© 2014 Microsoft Corporation. All rights reserved. MICROSOFT MAKES NO WARRANTIES, EXPRESS, IMPLIED OR STATUTORY, AS TO THE INFORMATION IN THIS PRESENTATION.</a:t>
+            </a:r>
+          </a:p>
+        </p:txBody>
+      </p:sp>
+      <p:sp>
+        <p:nvSpPr>
+          <p:cNvPr id="6" name="Date Placeholder 5"/>
+          <p:cNvSpPr>
+            <a:spLocks noGrp="1"/>
+          </p:cNvSpPr>
+          <p:nvPr>
+            <p:ph type="dt" idx="12"/>
+          </p:nvPr>
+        </p:nvSpPr>
+        <p:spPr/>
+        <p:txBody>
+          <a:bodyPr/>
+          <a:lstStyle/>
+          <a:p>
+            <a:fld id="{38EEC551-8CDA-4EB6-89BB-2A86C9F091C8}" type="datetime8">
+              <a:rPr lang="en-US" smtClean="0"/>
+              <a:pPr/>
+              <a:t>6/9/2022 10:19 PM</a:t>
+            </a:fld>
+            <a:endParaRPr lang="en-US" dirty="0"/>
+          </a:p>
+        </p:txBody>
+      </p:sp>
+      <p:sp>
+        <p:nvSpPr>
+          <p:cNvPr id="7" name="Slide Number Placeholder 6"/>
+          <p:cNvSpPr>
+            <a:spLocks noGrp="1"/>
+          </p:cNvSpPr>
+          <p:nvPr>
+            <p:ph type="sldNum" sz="quarter" idx="13"/>
+          </p:nvPr>
+        </p:nvSpPr>
+        <p:spPr/>
+        <p:txBody>
+          <a:bodyPr/>
+          <a:lstStyle/>
+          <a:p>
+            <a:fld id="{B4008EB6-D09E-4580-8CD6-DDB14511944F}" type="slidenum">
+              <a:rPr lang="en-US" smtClean="0"/>
+              <a:pPr/>
+              <a:t>12</a:t>
+            </a:fld>
+            <a:endParaRPr lang="en-US" dirty="0"/>
+          </a:p>
+        </p:txBody>
+      </p:sp>
+    </p:spTree>
+    <p:extLst>
+      <p:ext uri="{BB962C8B-B14F-4D97-AF65-F5344CB8AC3E}">
+        <p14:creationId xmlns:p14="http://schemas.microsoft.com/office/powerpoint/2010/main" val="1508258057"/>
+      </p:ext>
+    </p:extLst>
+  </p:cSld>
+  <p:clrMapOvr>
+    <a:masterClrMapping/>
+  </p:clrMapOvr>
+</p:notes>
+</file>
+
+<file path=ppt/notesSlides/notesSlide12.xml><?xml version="1.0" encoding="utf-8"?>
+<p:notes xmlns:a="http://schemas.openxmlformats.org/drawingml/2006/main" xmlns:r="http://schemas.openxmlformats.org/officeDocument/2006/relationships" xmlns:p="http://schemas.openxmlformats.org/presentationml/2006/main">
+  <p:cSld>
+    <p:spTree>
+      <p:nvGrpSpPr>
+        <p:cNvPr id="1" name=""/>
+        <p:cNvGrpSpPr/>
+        <p:nvPr/>
+      </p:nvGrpSpPr>
+      <p:grpSpPr>
+        <a:xfrm>
+          <a:off x="0" y="0"/>
+          <a:ext cx="0" cy="0"/>
+          <a:chOff x="0" y="0"/>
+          <a:chExt cx="0" cy="0"/>
+        </a:xfrm>
+      </p:grpSpPr>
+      <p:sp>
+        <p:nvSpPr>
+          <p:cNvPr id="2" name="Slide Image Placeholder 1"/>
+          <p:cNvSpPr>
+            <a:spLocks noGrp="1" noRot="1" noChangeAspect="1"/>
+          </p:cNvSpPr>
+          <p:nvPr>
+            <p:ph type="sldImg"/>
+          </p:nvPr>
+        </p:nvSpPr>
+        <p:spPr/>
+      </p:sp>
+      <p:sp>
+        <p:nvSpPr>
+          <p:cNvPr id="3" name="Notes Placeholder 2"/>
+          <p:cNvSpPr>
+            <a:spLocks noGrp="1"/>
+          </p:cNvSpPr>
+          <p:nvPr>
+            <p:ph type="body" idx="1"/>
+          </p:nvPr>
+        </p:nvSpPr>
+        <p:spPr/>
+        <p:txBody>
+          <a:bodyPr/>
+          <a:lstStyle/>
+          <a:p>
+            <a:pPr marL="0" marR="0" lvl="0" indent="0" algn="l" defTabSz="914400" rtl="0" eaLnBrk="1" fontAlgn="auto" latinLnBrk="0" hangingPunct="1">
+              <a:lnSpc>
+                <a:spcPct val="100000"/>
+              </a:lnSpc>
+              <a:spcBef>
+                <a:spcPts val="0"/>
+              </a:spcBef>
+              <a:spcAft>
+                <a:spcPts val="0"/>
+              </a:spcAft>
+              <a:buClrTx/>
+              <a:buSzTx/>
+              <a:buFontTx/>
+              <a:buNone/>
+              <a:tabLst/>
+              <a:defRPr/>
+            </a:pPr>
+            <a:r>
+              <a:rPr lang="en-US" dirty="0">
+                <a:hlinkClick r:id="rId3"/>
+              </a:rPr>
+              <a:t>Constant Time Recovery in SQL Server (microsoft.com)</a:t>
+            </a:r>
+            <a:r>
+              <a:rPr lang="en-US" dirty="0"/>
+              <a:t> https://www.microsoft.com/en-us/research/uploads/prod/2019/06/p700-antonopoulos.pdf</a:t>
+            </a:r>
+            <a:endParaRPr lang="en-US" sz="1200" dirty="0"/>
+          </a:p>
+          <a:p>
+            <a:endParaRPr lang="en-US" dirty="0"/>
+          </a:p>
+        </p:txBody>
+      </p:sp>
+      <p:sp>
+        <p:nvSpPr>
+          <p:cNvPr id="4" name="Slide Number Placeholder 3"/>
+          <p:cNvSpPr>
+            <a:spLocks noGrp="1"/>
+          </p:cNvSpPr>
+          <p:nvPr>
+            <p:ph type="sldNum" sz="quarter" idx="5"/>
+          </p:nvPr>
+        </p:nvSpPr>
+        <p:spPr/>
+        <p:txBody>
+          <a:bodyPr/>
+          <a:lstStyle/>
+          <a:p>
+            <a:fld id="{56E97690-D681-4B47-8FD4-7300C9E579A2}" type="slidenum">
+              <a:rPr lang="en-US" smtClean="0"/>
+              <a:t>13</a:t>
+            </a:fld>
+            <a:endParaRPr lang="en-US"/>
+          </a:p>
+        </p:txBody>
+      </p:sp>
+    </p:spTree>
+    <p:extLst>
+      <p:ext uri="{BB962C8B-B14F-4D97-AF65-F5344CB8AC3E}">
+        <p14:creationId xmlns:p14="http://schemas.microsoft.com/office/powerpoint/2010/main" val="259801172"/>
+      </p:ext>
+    </p:extLst>
+  </p:cSld>
+  <p:clrMapOvr>
+    <a:masterClrMapping/>
+  </p:clrMapOvr>
+</p:notes>
+</file>
+
+<file path=ppt/notesSlides/notesSlide13.xml><?xml version="1.0" encoding="utf-8"?>
 <p:notes xmlns:a="http://schemas.openxmlformats.org/drawingml/2006/main" xmlns:r="http://schemas.openxmlformats.org/officeDocument/2006/relationships" xmlns:p="http://schemas.openxmlformats.org/presentationml/2006/main">
   <p:cSld>
     <p:spTree>
@@ -19395,54 +20148,17 @@
           </a:bodyPr>
           <a:lstStyle/>
           <a:p>
-            <a:pPr algn="l">
-              <a:buFont typeface="Arial" panose="020B0604020202020204" pitchFamily="34" charset="0"/>
-              <a:buNone/>
-            </a:pPr>
-            <a:r>
-              <a:rPr lang="en-US" sz="1200" b="1" i="0" dirty="0">
-                <a:solidFill>
-                  <a:schemeClr val="tx1"/>
-                </a:solidFill>
-                <a:effectLst/>
-                <a:latin typeface="Segoe UI" panose="020B0502040204020203" pitchFamily="34" charset="0"/>
+            <a:r>
+              <a:rPr lang="en-US" dirty="0">
+                <a:hlinkClick r:id="rId3"/>
               </a:rPr>
-              <a:t>Cleaner</a:t>
-            </a:r>
-            <a:endParaRPr lang="en-US" sz="1200" b="0" i="0" dirty="0">
-              <a:solidFill>
-                <a:schemeClr val="tx1"/>
-              </a:solidFill>
-              <a:effectLst/>
-              <a:latin typeface="Segoe UI" panose="020B0502040204020203" pitchFamily="34" charset="0"/>
-            </a:endParaRPr>
-          </a:p>
-          <a:p>
-            <a:pPr algn="l">
-              <a:buFont typeface="Arial" panose="020B0604020202020204" pitchFamily="34" charset="0"/>
-              <a:buNone/>
-            </a:pPr>
-            <a:r>
-              <a:rPr lang="en-US" sz="1200" b="0" i="0" dirty="0">
-                <a:solidFill>
-                  <a:schemeClr val="tx1"/>
-                </a:solidFill>
-                <a:effectLst/>
-                <a:latin typeface="Segoe UI" panose="020B0502040204020203" pitchFamily="34" charset="0"/>
-              </a:rPr>
-              <a:t>The cleaner is the asynchronous process that wakes up periodically and cleans page versions that are not needed.</a:t>
-            </a:r>
-          </a:p>
-          <a:p>
-            <a:endParaRPr lang="en-US" sz="1200" b="0" i="0" u="none" strike="noStrike" kern="1200" dirty="0">
-              <a:solidFill>
-                <a:schemeClr val="tx1"/>
-              </a:solidFill>
-              <a:effectLst/>
-              <a:latin typeface="Segoe UI Light" pitchFamily="34" charset="0"/>
-              <a:ea typeface="+mn-ea"/>
-              <a:cs typeface="+mn-cs"/>
-            </a:endParaRPr>
+              <a:t>Constant Time Recovery in SQL Server (microsoft.com)</a:t>
+            </a:r>
+            <a:r>
+              <a:rPr lang="en-US" dirty="0"/>
+              <a:t> https://www.microsoft.com/en-us/research/uploads/prod/2019/06/p700-antonopoulos.pdf</a:t>
+            </a:r>
+            <a:endParaRPr lang="en-US" sz="1200" dirty="0"/>
           </a:p>
         </p:txBody>
       </p:sp>
@@ -19472,7 +20188,7 @@
             <a:fld id="{EA2B2ED8-C573-45EF-BF68-CEC19505703A}" type="datetime8">
               <a:rPr lang="en-US" smtClean="0"/>
               <a:pPr/>
-              <a:t>2/9/2022 4:04 PM</a:t>
+              <a:t>6/9/2022 10:19 PM</a:t>
             </a:fld>
             <a:endParaRPr lang="en-US" dirty="0"/>
           </a:p>
@@ -19504,918 +20220,7 @@
             <a:fld id="{8B263312-38AA-4E1E-B2B5-0F8F122B24FE}" type="slidenum">
               <a:rPr lang="en-US" smtClean="0"/>
               <a:pPr/>
-              <a:t>12</a:t>
-            </a:fld>
-            <a:endParaRPr lang="en-US" dirty="0"/>
-          </a:p>
-        </p:txBody>
-      </p:sp>
-      <p:sp>
-        <p:nvSpPr>
-          <p:cNvPr id="6" name="Footer Placeholder 5"/>
-          <p:cNvSpPr>
-            <a:spLocks noGrp="1"/>
-          </p:cNvSpPr>
-          <p:nvPr>
-            <p:ph type="ftr" sz="quarter" idx="13"/>
-          </p:nvPr>
-        </p:nvSpPr>
-        <p:spPr/>
-        <p:txBody>
-          <a:bodyPr/>
-          <a:lstStyle/>
-          <a:p>
-            <a:pPr defTabSz="914099" eaLnBrk="0" hangingPunct="0"/>
-            <a:r>
-              <a:rPr lang="en-US" sz="400" dirty="0">
-                <a:gradFill>
-                  <a:gsLst>
-                    <a:gs pos="0">
-                      <a:prstClr val="black"/>
-                    </a:gs>
-                    <a:gs pos="100000">
-                      <a:prstClr val="black"/>
-                    </a:gs>
-                  </a:gsLst>
-                  <a:lin ang="5400000" scaled="0"/>
-                </a:gradFill>
-                <a:latin typeface="Segoe UI" pitchFamily="34" charset="0"/>
-                <a:ea typeface="Segoe UI" pitchFamily="34" charset="0"/>
-                <a:cs typeface="Segoe UI" pitchFamily="34" charset="0"/>
-              </a:rPr>
-              <a:t>© 2014 Microsoft Corporation. All rights reserved. MICROSOFT MAKES NO WARRANTIES, EXPRESS, IMPLIED OR STATUTORY, AS TO THE INFORMATION IN THIS PRESENTATION.</a:t>
-            </a:r>
-          </a:p>
-        </p:txBody>
-      </p:sp>
-      <p:sp>
-        <p:nvSpPr>
-          <p:cNvPr id="9" name="Header Placeholder 8"/>
-          <p:cNvSpPr>
-            <a:spLocks noGrp="1"/>
-          </p:cNvSpPr>
-          <p:nvPr>
-            <p:ph type="hdr" sz="quarter" idx="14"/>
-          </p:nvPr>
-        </p:nvSpPr>
-        <p:spPr/>
-        <p:txBody>
-          <a:bodyPr/>
-          <a:lstStyle/>
-          <a:p>
-            <a:endParaRPr lang="en-US" dirty="0"/>
-          </a:p>
-        </p:txBody>
-      </p:sp>
-    </p:spTree>
-    <p:extLst>
-      <p:ext uri="{BB962C8B-B14F-4D97-AF65-F5344CB8AC3E}">
-        <p14:creationId xmlns:p14="http://schemas.microsoft.com/office/powerpoint/2010/main" val="1434848484"/>
-      </p:ext>
-    </p:extLst>
-  </p:cSld>
-  <p:clrMapOvr>
-    <a:masterClrMapping/>
-  </p:clrMapOvr>
-</p:notes>
-</file>
-
-<file path=ppt/notesSlides/notesSlide12.xml><?xml version="1.0" encoding="utf-8"?>
-<p:notes xmlns:a="http://schemas.openxmlformats.org/drawingml/2006/main" xmlns:r="http://schemas.openxmlformats.org/officeDocument/2006/relationships" xmlns:p="http://schemas.openxmlformats.org/presentationml/2006/main">
-  <p:cSld>
-    <p:spTree>
-      <p:nvGrpSpPr>
-        <p:cNvPr id="1" name=""/>
-        <p:cNvGrpSpPr/>
-        <p:nvPr/>
-      </p:nvGrpSpPr>
-      <p:grpSpPr>
-        <a:xfrm>
-          <a:off x="0" y="0"/>
-          <a:ext cx="0" cy="0"/>
-          <a:chOff x="0" y="0"/>
-          <a:chExt cx="0" cy="0"/>
-        </a:xfrm>
-      </p:grpSpPr>
-      <p:sp>
-        <p:nvSpPr>
-          <p:cNvPr id="2" name="Slide Image Placeholder 1"/>
-          <p:cNvSpPr>
-            <a:spLocks noGrp="1" noRot="1" noChangeAspect="1"/>
-          </p:cNvSpPr>
-          <p:nvPr>
-            <p:ph type="sldImg"/>
-          </p:nvPr>
-        </p:nvSpPr>
-        <p:spPr/>
-      </p:sp>
-      <p:sp>
-        <p:nvSpPr>
-          <p:cNvPr id="3" name="Notes Placeholder 2"/>
-          <p:cNvSpPr>
-            <a:spLocks noGrp="1"/>
-          </p:cNvSpPr>
-          <p:nvPr>
-            <p:ph type="body" idx="1"/>
-          </p:nvPr>
-        </p:nvSpPr>
-        <p:spPr/>
-        <p:txBody>
-          <a:bodyPr/>
-          <a:lstStyle/>
-          <a:p>
-            <a:pPr algn="l"/>
-            <a:r>
-              <a:rPr lang="en-US" sz="1200" b="0" i="0" dirty="0">
-                <a:solidFill>
-                  <a:schemeClr val="tx1"/>
-                </a:solidFill>
-                <a:effectLst/>
-                <a:latin typeface="+mn-lt"/>
-              </a:rPr>
-              <a:t>ADR addresses these issues by completely redesigning the SQL Server database engine recovery process  by making recovery instantaneous by avoiding having to scan the log from/to the beginning of the oldest active transaction. </a:t>
-            </a:r>
-          </a:p>
-          <a:p>
-            <a:pPr algn="l"/>
-            <a:endParaRPr lang="en-US" sz="1200" b="0" i="0" dirty="0">
-              <a:solidFill>
-                <a:schemeClr val="tx1"/>
-              </a:solidFill>
-              <a:effectLst/>
-              <a:latin typeface="+mn-lt"/>
-            </a:endParaRPr>
-          </a:p>
-          <a:p>
-            <a:pPr algn="l"/>
-            <a:r>
-              <a:rPr lang="en-US" sz="1200" b="0" i="0" dirty="0">
-                <a:solidFill>
-                  <a:schemeClr val="tx1"/>
-                </a:solidFill>
-                <a:effectLst/>
-                <a:latin typeface="+mn-lt"/>
-              </a:rPr>
-              <a:t>With ADR, the transaction log is only processed from the last successful checkpoint (or oldest dirty page Log Sequence Number (LSN)). As a result, recovery time is not impacted by long running transactions.</a:t>
-            </a:r>
-          </a:p>
-          <a:p>
-            <a:pPr algn="l">
-              <a:buFont typeface="Arial" panose="020B0604020202020204" pitchFamily="34" charset="0"/>
-              <a:buNone/>
-            </a:pPr>
-            <a:endParaRPr lang="en-US" sz="1200" b="0" i="0" dirty="0">
-              <a:solidFill>
-                <a:schemeClr val="tx1"/>
-              </a:solidFill>
-              <a:effectLst/>
-              <a:latin typeface="+mn-lt"/>
-            </a:endParaRPr>
-          </a:p>
-          <a:p>
-            <a:pPr algn="l">
-              <a:buFont typeface="Arial" panose="020B0604020202020204" pitchFamily="34" charset="0"/>
-              <a:buNone/>
-            </a:pPr>
-            <a:r>
-              <a:rPr lang="en-US" sz="1200" b="0" i="0" dirty="0">
-                <a:solidFill>
-                  <a:schemeClr val="tx1"/>
-                </a:solidFill>
-                <a:effectLst/>
-                <a:latin typeface="+mn-lt"/>
-              </a:rPr>
-              <a:t>Minimize the required transaction log space since there is no longer a need to process the log for the whole transaction. As a result, the transaction log can be truncated aggressively as checkpoints and backups occur.</a:t>
-            </a:r>
-          </a:p>
-          <a:p>
-            <a:pPr algn="l"/>
-            <a:endParaRPr lang="en-US" sz="1200" b="0" i="0" dirty="0">
-              <a:solidFill>
-                <a:schemeClr val="tx1"/>
-              </a:solidFill>
-              <a:effectLst/>
-              <a:latin typeface="+mn-lt"/>
-            </a:endParaRPr>
-          </a:p>
-          <a:p>
-            <a:pPr algn="l"/>
-            <a:r>
-              <a:rPr lang="en-US" sz="1200" b="0" i="0" dirty="0">
-                <a:solidFill>
-                  <a:schemeClr val="tx1"/>
-                </a:solidFill>
-                <a:effectLst/>
-                <a:latin typeface="+mn-lt"/>
-              </a:rPr>
-              <a:t>At a high level, ADR achieves fast database recovery by versioning all physical database modifications and </a:t>
-            </a:r>
-          </a:p>
-          <a:p>
-            <a:pPr algn="l"/>
-            <a:r>
-              <a:rPr lang="en-US" sz="1200" b="0" i="0" dirty="0">
-                <a:solidFill>
-                  <a:schemeClr val="tx1"/>
-                </a:solidFill>
-                <a:effectLst/>
-                <a:latin typeface="+mn-lt"/>
-              </a:rPr>
-              <a:t>only undoing logical operations, which are limited and can be undone almost instantly. Any transaction that was active as of the time of a crash are marked as aborted and, therefore, any versions generated by these transactions can be ignored by concurrent user queries.</a:t>
-            </a:r>
-          </a:p>
-          <a:p>
-            <a:endParaRPr lang="en-US" sz="1200" b="1" i="0" kern="1200" dirty="0">
-              <a:solidFill>
-                <a:schemeClr val="tx1"/>
-              </a:solidFill>
-              <a:effectLst/>
-              <a:latin typeface="+mn-lt"/>
-              <a:ea typeface="+mn-ea"/>
-              <a:cs typeface="+mn-cs"/>
-            </a:endParaRPr>
-          </a:p>
-          <a:p>
-            <a:r>
-              <a:rPr lang="en-US" sz="1200" b="1" i="0" kern="1200" dirty="0">
-                <a:solidFill>
-                  <a:schemeClr val="tx1"/>
-                </a:solidFill>
-                <a:effectLst/>
-                <a:latin typeface="+mn-lt"/>
-                <a:ea typeface="+mn-ea"/>
-                <a:cs typeface="+mn-cs"/>
-              </a:rPr>
-              <a:t>Analysis phase</a:t>
-            </a:r>
-            <a:endParaRPr lang="en-US" sz="1200" b="0" i="0" kern="1200" dirty="0">
-              <a:solidFill>
-                <a:schemeClr val="tx1"/>
-              </a:solidFill>
-              <a:effectLst/>
-              <a:latin typeface="+mn-lt"/>
-              <a:ea typeface="+mn-ea"/>
-              <a:cs typeface="+mn-cs"/>
-            </a:endParaRPr>
-          </a:p>
-          <a:p>
-            <a:r>
-              <a:rPr lang="en-US" sz="1200" b="0" i="0" kern="1200" dirty="0">
-                <a:solidFill>
-                  <a:schemeClr val="tx1"/>
-                </a:solidFill>
-                <a:effectLst/>
-                <a:latin typeface="+mn-lt"/>
-                <a:ea typeface="+mn-ea"/>
-                <a:cs typeface="+mn-cs"/>
-              </a:rPr>
-              <a:t>The process remains the same as today with the addition of reconstructing sLog and copying log records for non-versioned operations.</a:t>
-            </a:r>
-          </a:p>
-          <a:p>
-            <a:r>
-              <a:rPr lang="en-US" sz="1200" b="1" i="0" kern="1200" dirty="0">
-                <a:solidFill>
-                  <a:schemeClr val="tx1"/>
-                </a:solidFill>
-                <a:effectLst/>
-                <a:latin typeface="+mn-lt"/>
-                <a:ea typeface="+mn-ea"/>
-                <a:cs typeface="+mn-cs"/>
-              </a:rPr>
-              <a:t>Redo</a:t>
-            </a:r>
-            <a:r>
-              <a:rPr lang="en-US" sz="1200" b="0" i="0" kern="1200" dirty="0">
-                <a:solidFill>
-                  <a:schemeClr val="tx1"/>
-                </a:solidFill>
-                <a:effectLst/>
-                <a:latin typeface="+mn-lt"/>
-                <a:ea typeface="+mn-ea"/>
-                <a:cs typeface="+mn-cs"/>
-              </a:rPr>
-              <a:t> phase</a:t>
-            </a:r>
-          </a:p>
-          <a:p>
-            <a:r>
-              <a:rPr lang="en-US" sz="1200" b="0" i="0" kern="1200" dirty="0">
-                <a:solidFill>
-                  <a:schemeClr val="tx1"/>
-                </a:solidFill>
-                <a:effectLst/>
-                <a:latin typeface="+mn-lt"/>
-                <a:ea typeface="+mn-ea"/>
-                <a:cs typeface="+mn-cs"/>
-              </a:rPr>
-              <a:t>Broken into two phases (P)</a:t>
-            </a:r>
-          </a:p>
-          <a:p>
-            <a:pPr lvl="1"/>
-            <a:r>
-              <a:rPr lang="en-US" sz="1200" b="0" i="0" kern="1200" dirty="0">
-                <a:solidFill>
-                  <a:schemeClr val="tx1"/>
-                </a:solidFill>
-                <a:effectLst/>
-                <a:latin typeface="+mn-lt"/>
-                <a:ea typeface="+mn-ea"/>
-                <a:cs typeface="+mn-cs"/>
-              </a:rPr>
-              <a:t>Phase 1</a:t>
-            </a:r>
-          </a:p>
-          <a:p>
-            <a:pPr lvl="1"/>
-            <a:r>
-              <a:rPr lang="en-US" sz="1200" b="0" i="0" kern="1200" dirty="0">
-                <a:solidFill>
-                  <a:schemeClr val="tx1"/>
-                </a:solidFill>
-                <a:effectLst/>
-                <a:latin typeface="+mn-lt"/>
-                <a:ea typeface="+mn-ea"/>
-                <a:cs typeface="+mn-cs"/>
-              </a:rPr>
-              <a:t>Redo from sLog (oldest uncommitted transaction up to last checkpoint). Redo is a fast operation as it only needs to process a few records from the sLog.</a:t>
-            </a:r>
-          </a:p>
-          <a:p>
-            <a:pPr lvl="1"/>
-            <a:r>
-              <a:rPr lang="en-US" sz="1200" b="0" i="0" kern="1200" dirty="0">
-                <a:solidFill>
-                  <a:schemeClr val="tx1"/>
-                </a:solidFill>
-                <a:effectLst/>
-                <a:latin typeface="+mn-lt"/>
-                <a:ea typeface="+mn-ea"/>
-                <a:cs typeface="+mn-cs"/>
-              </a:rPr>
-              <a:t>Phase 2</a:t>
-            </a:r>
-          </a:p>
-          <a:p>
-            <a:pPr lvl="1"/>
-            <a:r>
-              <a:rPr lang="en-US" sz="1200" b="0" i="0" kern="1200" dirty="0">
-                <a:solidFill>
-                  <a:schemeClr val="tx1"/>
-                </a:solidFill>
-                <a:effectLst/>
-                <a:latin typeface="+mn-lt"/>
-                <a:ea typeface="+mn-ea"/>
-                <a:cs typeface="+mn-cs"/>
-              </a:rPr>
-              <a:t>Redo from Transaction Log starts from last checkpoint (instead of oldest uncommitted transaction)</a:t>
-            </a:r>
-          </a:p>
-          <a:p>
-            <a:r>
-              <a:rPr lang="en-US" sz="1200" b="1" i="0" kern="1200" dirty="0">
-                <a:solidFill>
-                  <a:schemeClr val="tx1"/>
-                </a:solidFill>
-                <a:effectLst/>
-                <a:latin typeface="+mn-lt"/>
-                <a:ea typeface="+mn-ea"/>
-                <a:cs typeface="+mn-cs"/>
-              </a:rPr>
-              <a:t>Undo phase</a:t>
-            </a:r>
-            <a:endParaRPr lang="en-US" sz="1200" b="0" i="0" kern="1200" dirty="0">
-              <a:solidFill>
-                <a:schemeClr val="tx1"/>
-              </a:solidFill>
-              <a:effectLst/>
-              <a:latin typeface="+mn-lt"/>
-              <a:ea typeface="+mn-ea"/>
-              <a:cs typeface="+mn-cs"/>
-            </a:endParaRPr>
-          </a:p>
-          <a:p>
-            <a:r>
-              <a:rPr lang="en-US" sz="1200" b="0" i="0" kern="1200" dirty="0">
-                <a:solidFill>
-                  <a:schemeClr val="tx1"/>
-                </a:solidFill>
-                <a:effectLst/>
-                <a:latin typeface="+mn-lt"/>
-                <a:ea typeface="+mn-ea"/>
-                <a:cs typeface="+mn-cs"/>
-              </a:rPr>
-              <a:t>The Undo phase with ADR completes almost instantaneously by using sLog to undo non-versioned operations and Persisted Version Store (PVS) with Logical Revert to perform row level version-based Undo.</a:t>
-            </a:r>
-          </a:p>
-          <a:p>
-            <a:endParaRPr lang="en-US" sz="1200" b="0" i="0" kern="1200" dirty="0">
-              <a:solidFill>
-                <a:schemeClr val="tx1"/>
-              </a:solidFill>
-              <a:effectLst/>
-              <a:latin typeface="+mn-lt"/>
-              <a:ea typeface="+mn-ea"/>
-              <a:cs typeface="+mn-cs"/>
-            </a:endParaRPr>
-          </a:p>
-          <a:p>
-            <a:pPr algn="l"/>
-            <a:r>
-              <a:rPr lang="en-US" sz="1200" b="1" i="0" dirty="0">
-                <a:solidFill>
-                  <a:schemeClr val="tx1"/>
-                </a:solidFill>
-                <a:effectLst/>
-                <a:latin typeface="+mn-lt"/>
-              </a:rPr>
-              <a:t>The following types of workloads benefit most from ADR:</a:t>
-            </a:r>
-          </a:p>
-          <a:p>
-            <a:pPr algn="l">
-              <a:buFont typeface="Arial" panose="020B0604020202020204" pitchFamily="34" charset="0"/>
-              <a:buChar char="•"/>
-            </a:pPr>
-            <a:r>
-              <a:rPr lang="en-US" sz="1200" b="0" i="0" dirty="0">
-                <a:solidFill>
-                  <a:schemeClr val="tx1"/>
-                </a:solidFill>
-                <a:effectLst/>
-                <a:latin typeface="+mn-lt"/>
-              </a:rPr>
-              <a:t>Workloads with long-running transactions.</a:t>
-            </a:r>
-          </a:p>
-          <a:p>
-            <a:pPr algn="l">
-              <a:buFont typeface="Arial" panose="020B0604020202020204" pitchFamily="34" charset="0"/>
-              <a:buChar char="•"/>
-            </a:pPr>
-            <a:r>
-              <a:rPr lang="en-US" sz="1200" b="0" i="0" dirty="0">
-                <a:solidFill>
-                  <a:schemeClr val="tx1"/>
-                </a:solidFill>
-                <a:effectLst/>
-                <a:latin typeface="+mn-lt"/>
-              </a:rPr>
-              <a:t>Workloads that have seen cases where active transactions are causing the transaction log to grow significantly.</a:t>
-            </a:r>
-          </a:p>
-          <a:p>
-            <a:pPr algn="l">
-              <a:buFont typeface="Arial" panose="020B0604020202020204" pitchFamily="34" charset="0"/>
-              <a:buChar char="•"/>
-            </a:pPr>
-            <a:r>
-              <a:rPr lang="en-US" sz="1200" b="0" i="0" dirty="0">
-                <a:solidFill>
-                  <a:schemeClr val="tx1"/>
-                </a:solidFill>
-                <a:effectLst/>
-                <a:latin typeface="+mn-lt"/>
-              </a:rPr>
-              <a:t>Workloads that have experienced long periods of database unavailability due to long running recovery (such as unexpected service restart or manual transaction rollback).</a:t>
-            </a:r>
-          </a:p>
-          <a:p>
-            <a:endParaRPr lang="en-US" sz="1200" b="0" i="0" kern="1200" dirty="0">
-              <a:solidFill>
-                <a:schemeClr val="tx1"/>
-              </a:solidFill>
-              <a:effectLst/>
-              <a:latin typeface="+mn-lt"/>
-              <a:ea typeface="+mn-ea"/>
-              <a:cs typeface="+mn-cs"/>
-            </a:endParaRPr>
-          </a:p>
-          <a:p>
-            <a:pPr marL="0" marR="0" lvl="0" indent="0" algn="l" defTabSz="932742" rtl="0" eaLnBrk="1" fontAlgn="auto" latinLnBrk="0" hangingPunct="1">
-              <a:lnSpc>
-                <a:spcPct val="90000"/>
-              </a:lnSpc>
-              <a:spcBef>
-                <a:spcPts val="0"/>
-              </a:spcBef>
-              <a:spcAft>
-                <a:spcPts val="340"/>
-              </a:spcAft>
-              <a:buClrTx/>
-              <a:buSzTx/>
-              <a:buFontTx/>
-              <a:buNone/>
-              <a:tabLst/>
-              <a:defRPr/>
-            </a:pPr>
-            <a:endParaRPr lang="en-US" sz="1200" dirty="0">
-              <a:latin typeface="+mn-lt"/>
-              <a:hlinkClick r:id="" action="ppaction://noaction"/>
-            </a:endParaRPr>
-          </a:p>
-          <a:p>
-            <a:pPr marL="0" marR="0" lvl="0" indent="0" algn="l" defTabSz="932742" rtl="0" eaLnBrk="1" fontAlgn="auto" latinLnBrk="0" hangingPunct="1">
-              <a:lnSpc>
-                <a:spcPct val="90000"/>
-              </a:lnSpc>
-              <a:spcBef>
-                <a:spcPts val="0"/>
-              </a:spcBef>
-              <a:spcAft>
-                <a:spcPts val="340"/>
-              </a:spcAft>
-              <a:buClrTx/>
-              <a:buSzTx/>
-              <a:buFontTx/>
-              <a:buNone/>
-              <a:tabLst/>
-              <a:defRPr/>
-            </a:pPr>
-            <a:r>
-              <a:rPr lang="en-US" sz="1200" dirty="0">
-                <a:latin typeface="+mn-lt"/>
-                <a:hlinkClick r:id="" action="ppaction://noaction"/>
-              </a:rPr>
-              <a:t>https://docs.microsoft.com/en-us/azure/sql-database/sql-database-accelerated-database-recovery</a:t>
-            </a:r>
-            <a:endParaRPr lang="en-US" sz="1200" dirty="0">
-              <a:latin typeface="+mn-lt"/>
-            </a:endParaRPr>
-          </a:p>
-          <a:p>
-            <a:endParaRPr lang="en-US" dirty="0"/>
-          </a:p>
-        </p:txBody>
-      </p:sp>
-      <p:sp>
-        <p:nvSpPr>
-          <p:cNvPr id="4" name="Header Placeholder 3"/>
-          <p:cNvSpPr>
-            <a:spLocks noGrp="1"/>
-          </p:cNvSpPr>
-          <p:nvPr>
-            <p:ph type="hdr" sz="quarter" idx="10"/>
-          </p:nvPr>
-        </p:nvSpPr>
-        <p:spPr/>
-        <p:txBody>
-          <a:bodyPr/>
-          <a:lstStyle/>
-          <a:p>
-            <a:endParaRPr lang="en-US" dirty="0"/>
-          </a:p>
-        </p:txBody>
-      </p:sp>
-      <p:sp>
-        <p:nvSpPr>
-          <p:cNvPr id="5" name="Footer Placeholder 4"/>
-          <p:cNvSpPr>
-            <a:spLocks noGrp="1"/>
-          </p:cNvSpPr>
-          <p:nvPr>
-            <p:ph type="ftr" sz="quarter" idx="11"/>
-          </p:nvPr>
-        </p:nvSpPr>
-        <p:spPr/>
-        <p:txBody>
-          <a:bodyPr/>
-          <a:lstStyle/>
-          <a:p>
-            <a:pPr defTabSz="914099" eaLnBrk="0" hangingPunct="0"/>
-            <a:r>
-              <a:rPr lang="en-US" sz="400" dirty="0">
-                <a:gradFill>
-                  <a:gsLst>
-                    <a:gs pos="0">
-                      <a:prstClr val="black"/>
-                    </a:gs>
-                    <a:gs pos="100000">
-                      <a:prstClr val="black"/>
-                    </a:gs>
-                  </a:gsLst>
-                  <a:lin ang="5400000" scaled="0"/>
-                </a:gradFill>
-                <a:latin typeface="Segoe UI" pitchFamily="34" charset="0"/>
-                <a:ea typeface="Segoe UI" pitchFamily="34" charset="0"/>
-                <a:cs typeface="Segoe UI" pitchFamily="34" charset="0"/>
-              </a:rPr>
-              <a:t>© 2014 Microsoft Corporation. All rights reserved. MICROSOFT MAKES NO WARRANTIES, EXPRESS, IMPLIED OR STATUTORY, AS TO THE INFORMATION IN THIS PRESENTATION.</a:t>
-            </a:r>
-          </a:p>
-        </p:txBody>
-      </p:sp>
-      <p:sp>
-        <p:nvSpPr>
-          <p:cNvPr id="6" name="Date Placeholder 5"/>
-          <p:cNvSpPr>
-            <a:spLocks noGrp="1"/>
-          </p:cNvSpPr>
-          <p:nvPr>
-            <p:ph type="dt" idx="12"/>
-          </p:nvPr>
-        </p:nvSpPr>
-        <p:spPr/>
-        <p:txBody>
-          <a:bodyPr/>
-          <a:lstStyle/>
-          <a:p>
-            <a:fld id="{38EEC551-8CDA-4EB6-89BB-2A86C9F091C8}" type="datetime8">
-              <a:rPr lang="en-US" smtClean="0"/>
-              <a:pPr/>
-              <a:t>2/9/2022 4:04 PM</a:t>
-            </a:fld>
-            <a:endParaRPr lang="en-US" dirty="0"/>
-          </a:p>
-        </p:txBody>
-      </p:sp>
-      <p:sp>
-        <p:nvSpPr>
-          <p:cNvPr id="7" name="Slide Number Placeholder 6"/>
-          <p:cNvSpPr>
-            <a:spLocks noGrp="1"/>
-          </p:cNvSpPr>
-          <p:nvPr>
-            <p:ph type="sldNum" sz="quarter" idx="13"/>
-          </p:nvPr>
-        </p:nvSpPr>
-        <p:spPr/>
-        <p:txBody>
-          <a:bodyPr/>
-          <a:lstStyle/>
-          <a:p>
-            <a:fld id="{B4008EB6-D09E-4580-8CD6-DDB14511944F}" type="slidenum">
-              <a:rPr lang="en-US" smtClean="0"/>
-              <a:pPr/>
-              <a:t>13</a:t>
-            </a:fld>
-            <a:endParaRPr lang="en-US" dirty="0"/>
-          </a:p>
-        </p:txBody>
-      </p:sp>
-    </p:spTree>
-    <p:extLst>
-      <p:ext uri="{BB962C8B-B14F-4D97-AF65-F5344CB8AC3E}">
-        <p14:creationId xmlns:p14="http://schemas.microsoft.com/office/powerpoint/2010/main" val="1508258057"/>
-      </p:ext>
-    </p:extLst>
-  </p:cSld>
-  <p:clrMapOvr>
-    <a:masterClrMapping/>
-  </p:clrMapOvr>
-</p:notes>
-</file>
-
-<file path=ppt/notesSlides/notesSlide13.xml><?xml version="1.0" encoding="utf-8"?>
-<p:notes xmlns:a="http://schemas.openxmlformats.org/drawingml/2006/main" xmlns:r="http://schemas.openxmlformats.org/officeDocument/2006/relationships" xmlns:p="http://schemas.openxmlformats.org/presentationml/2006/main">
-  <p:cSld>
-    <p:spTree>
-      <p:nvGrpSpPr>
-        <p:cNvPr id="1" name=""/>
-        <p:cNvGrpSpPr/>
-        <p:nvPr/>
-      </p:nvGrpSpPr>
-      <p:grpSpPr>
-        <a:xfrm>
-          <a:off x="0" y="0"/>
-          <a:ext cx="0" cy="0"/>
-          <a:chOff x="0" y="0"/>
-          <a:chExt cx="0" cy="0"/>
-        </a:xfrm>
-      </p:grpSpPr>
-      <p:sp>
-        <p:nvSpPr>
-          <p:cNvPr id="2" name="Slide Image Placeholder 1"/>
-          <p:cNvSpPr>
-            <a:spLocks noGrp="1" noRot="1" noChangeAspect="1"/>
-          </p:cNvSpPr>
-          <p:nvPr>
-            <p:ph type="sldImg"/>
-          </p:nvPr>
-        </p:nvSpPr>
-        <p:spPr/>
-      </p:sp>
-      <p:sp>
-        <p:nvSpPr>
-          <p:cNvPr id="3" name="Notes Placeholder 2"/>
-          <p:cNvSpPr>
-            <a:spLocks noGrp="1"/>
-          </p:cNvSpPr>
-          <p:nvPr>
-            <p:ph type="body" idx="1"/>
-          </p:nvPr>
-        </p:nvSpPr>
-        <p:spPr/>
-        <p:txBody>
-          <a:bodyPr/>
-          <a:lstStyle/>
-          <a:p>
-            <a:pPr marL="0" marR="0" lvl="0" indent="0" algn="l" defTabSz="914400" rtl="0" eaLnBrk="1" fontAlgn="auto" latinLnBrk="0" hangingPunct="1">
-              <a:lnSpc>
-                <a:spcPct val="100000"/>
-              </a:lnSpc>
-              <a:spcBef>
-                <a:spcPts val="0"/>
-              </a:spcBef>
-              <a:spcAft>
-                <a:spcPts val="0"/>
-              </a:spcAft>
-              <a:buClrTx/>
-              <a:buSzTx/>
-              <a:buFontTx/>
-              <a:buNone/>
-              <a:tabLst/>
-              <a:defRPr/>
-            </a:pPr>
-            <a:r>
-              <a:rPr lang="en-US" dirty="0">
-                <a:hlinkClick r:id="rId3"/>
-              </a:rPr>
-              <a:t>Constant Time Recovery in SQL Server (microsoft.com)</a:t>
-            </a:r>
-            <a:r>
-              <a:rPr lang="en-US" dirty="0"/>
-              <a:t> https://www.microsoft.com/en-us/research/uploads/prod/2019/06/p700-antonopoulos.pdf</a:t>
-            </a:r>
-            <a:endParaRPr lang="en-US" sz="1200" dirty="0"/>
-          </a:p>
-          <a:p>
-            <a:endParaRPr lang="en-US" dirty="0"/>
-          </a:p>
-        </p:txBody>
-      </p:sp>
-      <p:sp>
-        <p:nvSpPr>
-          <p:cNvPr id="4" name="Slide Number Placeholder 3"/>
-          <p:cNvSpPr>
-            <a:spLocks noGrp="1"/>
-          </p:cNvSpPr>
-          <p:nvPr>
-            <p:ph type="sldNum" sz="quarter" idx="5"/>
-          </p:nvPr>
-        </p:nvSpPr>
-        <p:spPr/>
-        <p:txBody>
-          <a:bodyPr/>
-          <a:lstStyle/>
-          <a:p>
-            <a:fld id="{56E97690-D681-4B47-8FD4-7300C9E579A2}" type="slidenum">
-              <a:rPr lang="en-US" smtClean="0"/>
               <a:t>14</a:t>
-            </a:fld>
-            <a:endParaRPr lang="en-US"/>
-          </a:p>
-        </p:txBody>
-      </p:sp>
-    </p:spTree>
-    <p:extLst>
-      <p:ext uri="{BB962C8B-B14F-4D97-AF65-F5344CB8AC3E}">
-        <p14:creationId xmlns:p14="http://schemas.microsoft.com/office/powerpoint/2010/main" val="259801172"/>
-      </p:ext>
-    </p:extLst>
-  </p:cSld>
-  <p:clrMapOvr>
-    <a:masterClrMapping/>
-  </p:clrMapOvr>
-</p:notes>
-</file>
-
-<file path=ppt/notesSlides/notesSlide14.xml><?xml version="1.0" encoding="utf-8"?>
-<p:notes xmlns:a="http://schemas.openxmlformats.org/drawingml/2006/main" xmlns:r="http://schemas.openxmlformats.org/officeDocument/2006/relationships" xmlns:p="http://schemas.openxmlformats.org/presentationml/2006/main">
-  <p:cSld>
-    <p:spTree>
-      <p:nvGrpSpPr>
-        <p:cNvPr id="1" name=""/>
-        <p:cNvGrpSpPr/>
-        <p:nvPr/>
-      </p:nvGrpSpPr>
-      <p:grpSpPr>
-        <a:xfrm>
-          <a:off x="0" y="0"/>
-          <a:ext cx="0" cy="0"/>
-          <a:chOff x="0" y="0"/>
-          <a:chExt cx="0" cy="0"/>
-        </a:xfrm>
-      </p:grpSpPr>
-      <p:sp>
-        <p:nvSpPr>
-          <p:cNvPr id="2" name="Slide Image Placeholder 1"/>
-          <p:cNvSpPr>
-            <a:spLocks noGrp="1" noRot="1" noChangeAspect="1"/>
-          </p:cNvSpPr>
-          <p:nvPr>
-            <p:ph type="sldImg"/>
-          </p:nvPr>
-        </p:nvSpPr>
-        <p:spPr>
-          <a:xfrm>
-            <a:off x="381000" y="685800"/>
-            <a:ext cx="6096000" cy="3429000"/>
-          </a:xfrm>
-          <a:prstGeom prst="rect">
-            <a:avLst/>
-          </a:prstGeom>
-        </p:spPr>
-      </p:sp>
-      <p:sp>
-        <p:nvSpPr>
-          <p:cNvPr id="3" name="Notes Placeholder 2"/>
-          <p:cNvSpPr>
-            <a:spLocks noGrp="1"/>
-          </p:cNvSpPr>
-          <p:nvPr>
-            <p:ph type="body" idx="1"/>
-          </p:nvPr>
-        </p:nvSpPr>
-        <p:spPr>
-          <a:xfrm>
-            <a:off x="685800" y="4343400"/>
-            <a:ext cx="5486400" cy="4114800"/>
-          </a:xfrm>
-          <a:prstGeom prst="rect">
-            <a:avLst/>
-          </a:prstGeom>
-        </p:spPr>
-        <p:txBody>
-          <a:bodyPr>
-            <a:normAutofit/>
-          </a:bodyPr>
-          <a:lstStyle/>
-          <a:p>
-            <a:r>
-              <a:rPr lang="en-US" dirty="0">
-                <a:hlinkClick r:id="rId3"/>
-              </a:rPr>
-              <a:t>Constant Time Recovery in SQL Server (microsoft.com)</a:t>
-            </a:r>
-            <a:r>
-              <a:rPr lang="en-US" dirty="0"/>
-              <a:t> https://www.microsoft.com/en-us/research/uploads/prod/2019/06/p700-antonopoulos.pdf</a:t>
-            </a:r>
-            <a:endParaRPr lang="en-US" sz="1200" dirty="0"/>
-          </a:p>
-        </p:txBody>
-      </p:sp>
-      <p:sp>
-        <p:nvSpPr>
-          <p:cNvPr id="4" name="Date Placeholder 3"/>
-          <p:cNvSpPr>
-            <a:spLocks noGrp="1"/>
-          </p:cNvSpPr>
-          <p:nvPr>
-            <p:ph type="dt" idx="10"/>
-          </p:nvPr>
-        </p:nvSpPr>
-        <p:spPr>
-          <a:xfrm>
-            <a:off x="3884613" y="0"/>
-            <a:ext cx="2971800" cy="457200"/>
-          </a:xfrm>
-          <a:prstGeom prst="rect">
-            <a:avLst/>
-          </a:prstGeom>
-        </p:spPr>
-        <p:txBody>
-          <a:bodyPr/>
-          <a:lstStyle/>
-          <a:p>
-            <a:fld id="{EA2B2ED8-C573-45EF-BF68-CEC19505703A}" type="datetime8">
-              <a:rPr lang="en-US" smtClean="0"/>
-              <a:pPr/>
-              <a:t>2/9/2022 4:04 PM</a:t>
-            </a:fld>
-            <a:endParaRPr lang="en-US" dirty="0"/>
-          </a:p>
-        </p:txBody>
-      </p:sp>
-      <p:sp>
-        <p:nvSpPr>
-          <p:cNvPr id="7" name="Slide Number Placeholder 6"/>
-          <p:cNvSpPr>
-            <a:spLocks noGrp="1"/>
-          </p:cNvSpPr>
-          <p:nvPr>
-            <p:ph type="sldNum" sz="quarter" idx="12"/>
-          </p:nvPr>
-        </p:nvSpPr>
-        <p:spPr>
-          <a:xfrm>
-            <a:off x="6172199" y="8685213"/>
-            <a:ext cx="684213" cy="457200"/>
-          </a:xfrm>
-          <a:prstGeom prst="rect">
-            <a:avLst/>
-          </a:prstGeom>
-        </p:spPr>
-        <p:txBody>
-          <a:bodyPr/>
-          <a:lstStyle/>
-          <a:p>
-            <a:fld id="{8B263312-38AA-4E1E-B2B5-0F8F122B24FE}" type="slidenum">
-              <a:rPr lang="en-US" smtClean="0"/>
-              <a:pPr/>
-              <a:t>15</a:t>
             </a:fld>
             <a:endParaRPr lang="en-US" dirty="0"/>
           </a:p>
@@ -20535,171 +20340,6 @@
           <a:bodyPr/>
           <a:lstStyle/>
           <a:p>
-            <a:endParaRPr lang="en-US" dirty="0"/>
-          </a:p>
-        </p:txBody>
-      </p:sp>
-      <p:sp>
-        <p:nvSpPr>
-          <p:cNvPr id="4" name="Header Placeholder 3"/>
-          <p:cNvSpPr>
-            <a:spLocks noGrp="1"/>
-          </p:cNvSpPr>
-          <p:nvPr>
-            <p:ph type="hdr" sz="quarter"/>
-          </p:nvPr>
-        </p:nvSpPr>
-        <p:spPr/>
-        <p:txBody>
-          <a:bodyPr/>
-          <a:lstStyle/>
-          <a:p>
-            <a:endParaRPr lang="en-US" dirty="0"/>
-          </a:p>
-        </p:txBody>
-      </p:sp>
-      <p:sp>
-        <p:nvSpPr>
-          <p:cNvPr id="5" name="Footer Placeholder 4"/>
-          <p:cNvSpPr>
-            <a:spLocks noGrp="1"/>
-          </p:cNvSpPr>
-          <p:nvPr>
-            <p:ph type="ftr" sz="quarter" idx="4"/>
-          </p:nvPr>
-        </p:nvSpPr>
-        <p:spPr/>
-        <p:txBody>
-          <a:bodyPr/>
-          <a:lstStyle/>
-          <a:p>
-            <a:pPr defTabSz="914099" eaLnBrk="0" hangingPunct="0"/>
-            <a:r>
-              <a:rPr lang="en-US" sz="400" dirty="0">
-                <a:gradFill>
-                  <a:gsLst>
-                    <a:gs pos="0">
-                      <a:prstClr val="black"/>
-                    </a:gs>
-                    <a:gs pos="100000">
-                      <a:prstClr val="black"/>
-                    </a:gs>
-                  </a:gsLst>
-                  <a:lin ang="5400000" scaled="0"/>
-                </a:gradFill>
-                <a:latin typeface="Segoe UI" pitchFamily="34" charset="0"/>
-                <a:ea typeface="Segoe UI" pitchFamily="34" charset="0"/>
-                <a:cs typeface="Segoe UI" pitchFamily="34" charset="0"/>
-              </a:rPr>
-              <a:t>© Microsoft Corporation. All rights reserved. MICROSOFT MAKES NO WARRANTIES, EXPRESS, IMPLIED OR STATUTORY, AS TO THE INFORMATION IN THIS PRESENTATION.</a:t>
-            </a:r>
-          </a:p>
-        </p:txBody>
-      </p:sp>
-      <p:sp>
-        <p:nvSpPr>
-          <p:cNvPr id="6" name="Date Placeholder 5"/>
-          <p:cNvSpPr>
-            <a:spLocks noGrp="1"/>
-          </p:cNvSpPr>
-          <p:nvPr>
-            <p:ph type="dt" idx="1"/>
-          </p:nvPr>
-        </p:nvSpPr>
-        <p:spPr/>
-        <p:txBody>
-          <a:bodyPr/>
-          <a:lstStyle/>
-          <a:p>
-            <a:fld id="{386CE63F-9E7F-4C04-9D0D-FCA25A8E9E86}" type="datetime8">
-              <a:rPr lang="en-US" smtClean="0"/>
-              <a:t>2/9/2022 4:04 PM</a:t>
-            </a:fld>
-            <a:endParaRPr lang="en-US" dirty="0"/>
-          </a:p>
-        </p:txBody>
-      </p:sp>
-      <p:sp>
-        <p:nvSpPr>
-          <p:cNvPr id="7" name="Slide Number Placeholder 6"/>
-          <p:cNvSpPr>
-            <a:spLocks noGrp="1"/>
-          </p:cNvSpPr>
-          <p:nvPr>
-            <p:ph type="sldNum" sz="quarter" idx="5"/>
-          </p:nvPr>
-        </p:nvSpPr>
-        <p:spPr/>
-        <p:txBody>
-          <a:bodyPr/>
-          <a:lstStyle/>
-          <a:p>
-            <a:fld id="{B4008EB6-D09E-4580-8CD6-DDB14511944F}" type="slidenum">
-              <a:rPr lang="en-US" smtClean="0"/>
-              <a:pPr/>
-              <a:t>3</a:t>
-            </a:fld>
-            <a:endParaRPr lang="en-US" dirty="0"/>
-          </a:p>
-        </p:txBody>
-      </p:sp>
-    </p:spTree>
-    <p:extLst>
-      <p:ext uri="{BB962C8B-B14F-4D97-AF65-F5344CB8AC3E}">
-        <p14:creationId xmlns:p14="http://schemas.microsoft.com/office/powerpoint/2010/main" val="152024504"/>
-      </p:ext>
-    </p:extLst>
-  </p:cSld>
-  <p:clrMapOvr>
-    <a:masterClrMapping/>
-  </p:clrMapOvr>
-</p:notes>
-</file>
-
-<file path=ppt/notesSlides/notesSlide3.xml><?xml version="1.0" encoding="utf-8"?>
-<p:notes xmlns:a="http://schemas.openxmlformats.org/drawingml/2006/main" xmlns:r="http://schemas.openxmlformats.org/officeDocument/2006/relationships" xmlns:p="http://schemas.openxmlformats.org/presentationml/2006/main">
-  <p:cSld>
-    <p:spTree>
-      <p:nvGrpSpPr>
-        <p:cNvPr id="1" name=""/>
-        <p:cNvGrpSpPr/>
-        <p:nvPr/>
-      </p:nvGrpSpPr>
-      <p:grpSpPr>
-        <a:xfrm>
-          <a:off x="0" y="0"/>
-          <a:ext cx="0" cy="0"/>
-          <a:chOff x="0" y="0"/>
-          <a:chExt cx="0" cy="0"/>
-        </a:xfrm>
-      </p:grpSpPr>
-      <p:sp>
-        <p:nvSpPr>
-          <p:cNvPr id="2" name="Slide Image Placeholder 1"/>
-          <p:cNvSpPr>
-            <a:spLocks noGrp="1" noRot="1" noChangeAspect="1"/>
-          </p:cNvSpPr>
-          <p:nvPr>
-            <p:ph type="sldImg"/>
-          </p:nvPr>
-        </p:nvSpPr>
-        <p:spPr/>
-      </p:sp>
-      <p:sp>
-        <p:nvSpPr>
-          <p:cNvPr id="3" name="Notes Placeholder 2"/>
-          <p:cNvSpPr>
-            <a:spLocks noGrp="1"/>
-          </p:cNvSpPr>
-          <p:nvPr>
-            <p:ph type="body" idx="1"/>
-          </p:nvPr>
-        </p:nvSpPr>
-        <p:spPr/>
-        <p:txBody>
-          <a:bodyPr/>
-          <a:lstStyle/>
-          <a:p>
             <a:r>
               <a:rPr lang="en-US" dirty="0"/>
               <a:t>In this session we will discuss What Accelerated Database Recovery is and how to enable the feature in SQL Server 2019. Then we will look at the Current Database Recovery process and some of the issues that occur based on the existing recovery design. Next, we walk through the four core components of ADR before walking through the new Accelerated Database Recovery Process. Finally, we will have a demonstration on all the awesomeness that is of ADR!</a:t>
@@ -20724,7 +20364,7 @@
           <a:p>
             <a:fld id="{56E97690-D681-4B47-8FD4-7300C9E579A2}" type="slidenum">
               <a:rPr lang="en-US" smtClean="0"/>
-              <a:t>4</a:t>
+              <a:t>3</a:t>
             </a:fld>
             <a:endParaRPr lang="en-US"/>
           </a:p>
@@ -20743,7 +20383,7 @@
 </p:notes>
 </file>
 
-<file path=ppt/notesSlides/notesSlide4.xml><?xml version="1.0" encoding="utf-8"?>
+<file path=ppt/notesSlides/notesSlide3.xml><?xml version="1.0" encoding="utf-8"?>
 <p:notes xmlns:a="http://schemas.openxmlformats.org/drawingml/2006/main" xmlns:r="http://schemas.openxmlformats.org/officeDocument/2006/relationships" xmlns:p="http://schemas.openxmlformats.org/presentationml/2006/main">
   <p:cSld>
     <p:spTree>
@@ -21080,7 +20720,7 @@
             <a:fld id="{EA2B2ED8-C573-45EF-BF68-CEC19505703A}" type="datetime8">
               <a:rPr lang="en-US" smtClean="0"/>
               <a:pPr/>
-              <a:t>2/9/2022 4:04 PM</a:t>
+              <a:t>6/9/2022 10:19 PM</a:t>
             </a:fld>
             <a:endParaRPr lang="en-US" dirty="0"/>
           </a:p>
@@ -21112,7 +20752,7 @@
             <a:fld id="{8B263312-38AA-4E1E-B2B5-0F8F122B24FE}" type="slidenum">
               <a:rPr lang="en-US" smtClean="0"/>
               <a:pPr/>
-              <a:t>5</a:t>
+              <a:t>4</a:t>
             </a:fld>
             <a:endParaRPr lang="en-US" dirty="0"/>
           </a:p>
@@ -21188,7 +20828,7 @@
 </p:notes>
 </file>
 
-<file path=ppt/notesSlides/notesSlide5.xml><?xml version="1.0" encoding="utf-8"?>
+<file path=ppt/notesSlides/notesSlide4.xml><?xml version="1.0" encoding="utf-8"?>
 <p:notes xmlns:a="http://schemas.openxmlformats.org/drawingml/2006/main" xmlns:r="http://schemas.openxmlformats.org/officeDocument/2006/relationships" xmlns:p="http://schemas.openxmlformats.org/presentationml/2006/main">
   <p:cSld>
     <p:spTree>
@@ -21334,7 +20974,7 @@
             <a:fld id="{38EEC551-8CDA-4EB6-89BB-2A86C9F091C8}" type="datetime8">
               <a:rPr lang="en-US" smtClean="0"/>
               <a:pPr/>
-              <a:t>2/9/2022 4:04 PM</a:t>
+              <a:t>6/9/2022 10:19 PM</a:t>
             </a:fld>
             <a:endParaRPr lang="en-US" dirty="0"/>
           </a:p>
@@ -21358,7 +20998,7 @@
             <a:fld id="{B4008EB6-D09E-4580-8CD6-DDB14511944F}" type="slidenum">
               <a:rPr lang="en-US" smtClean="0"/>
               <a:pPr/>
-              <a:t>6</a:t>
+              <a:t>5</a:t>
             </a:fld>
             <a:endParaRPr lang="en-US" dirty="0"/>
           </a:p>
@@ -21377,7 +21017,7 @@
 </p:notes>
 </file>
 
-<file path=ppt/notesSlides/notesSlide6.xml><?xml version="1.0" encoding="utf-8"?>
+<file path=ppt/notesSlides/notesSlide5.xml><?xml version="1.0" encoding="utf-8"?>
 <p:notes xmlns:a="http://schemas.openxmlformats.org/drawingml/2006/main" xmlns:r="http://schemas.openxmlformats.org/officeDocument/2006/relationships" xmlns:p="http://schemas.openxmlformats.org/presentationml/2006/main">
   <p:cSld>
     <p:spTree>
@@ -21757,7 +21397,7 @@
             <a:fld id="{38EEC551-8CDA-4EB6-89BB-2A86C9F091C8}" type="datetime8">
               <a:rPr lang="en-US" smtClean="0"/>
               <a:pPr/>
-              <a:t>2/9/2022 4:04 PM</a:t>
+              <a:t>6/9/2022 10:19 PM</a:t>
             </a:fld>
             <a:endParaRPr lang="en-US" dirty="0"/>
           </a:p>
@@ -21781,7 +21421,7 @@
             <a:fld id="{B4008EB6-D09E-4580-8CD6-DDB14511944F}" type="slidenum">
               <a:rPr lang="en-US" smtClean="0"/>
               <a:pPr/>
-              <a:t>7</a:t>
+              <a:t>6</a:t>
             </a:fld>
             <a:endParaRPr lang="en-US" dirty="0"/>
           </a:p>
@@ -21800,7 +21440,7 @@
 </p:notes>
 </file>
 
-<file path=ppt/notesSlides/notesSlide7.xml><?xml version="1.0" encoding="utf-8"?>
+<file path=ppt/notesSlides/notesSlide6.xml><?xml version="1.0" encoding="utf-8"?>
 <p:notes xmlns:a="http://schemas.openxmlformats.org/drawingml/2006/main" xmlns:r="http://schemas.openxmlformats.org/officeDocument/2006/relationships" xmlns:p="http://schemas.openxmlformats.org/presentationml/2006/main">
   <p:cSld>
     <p:spTree>
@@ -22005,7 +21645,7 @@
             <a:fld id="{38EEC551-8CDA-4EB6-89BB-2A86C9F091C8}" type="datetime8">
               <a:rPr lang="en-US" smtClean="0"/>
               <a:pPr/>
-              <a:t>2/9/2022 4:04 PM</a:t>
+              <a:t>6/9/2022 10:19 PM</a:t>
             </a:fld>
             <a:endParaRPr lang="en-US" dirty="0"/>
           </a:p>
@@ -22029,7 +21669,7 @@
             <a:fld id="{B4008EB6-D09E-4580-8CD6-DDB14511944F}" type="slidenum">
               <a:rPr lang="en-US" smtClean="0"/>
               <a:pPr/>
-              <a:t>8</a:t>
+              <a:t>7</a:t>
             </a:fld>
             <a:endParaRPr lang="en-US" dirty="0"/>
           </a:p>
@@ -22039,6 +21679,322 @@
     <p:extLst>
       <p:ext uri="{BB962C8B-B14F-4D97-AF65-F5344CB8AC3E}">
         <p14:creationId xmlns:p14="http://schemas.microsoft.com/office/powerpoint/2010/main" val="4239763346"/>
+      </p:ext>
+    </p:extLst>
+  </p:cSld>
+  <p:clrMapOvr>
+    <a:masterClrMapping/>
+  </p:clrMapOvr>
+</p:notes>
+</file>
+
+<file path=ppt/notesSlides/notesSlide7.xml><?xml version="1.0" encoding="utf-8"?>
+<p:notes xmlns:a="http://schemas.openxmlformats.org/drawingml/2006/main" xmlns:r="http://schemas.openxmlformats.org/officeDocument/2006/relationships" xmlns:p="http://schemas.openxmlformats.org/presentationml/2006/main">
+  <p:cSld>
+    <p:spTree>
+      <p:nvGrpSpPr>
+        <p:cNvPr id="1" name=""/>
+        <p:cNvGrpSpPr/>
+        <p:nvPr/>
+      </p:nvGrpSpPr>
+      <p:grpSpPr>
+        <a:xfrm>
+          <a:off x="0" y="0"/>
+          <a:ext cx="0" cy="0"/>
+          <a:chOff x="0" y="0"/>
+          <a:chExt cx="0" cy="0"/>
+        </a:xfrm>
+      </p:grpSpPr>
+      <p:sp>
+        <p:nvSpPr>
+          <p:cNvPr id="2" name="Slide Image Placeholder 1"/>
+          <p:cNvSpPr>
+            <a:spLocks noGrp="1" noRot="1" noChangeAspect="1"/>
+          </p:cNvSpPr>
+          <p:nvPr>
+            <p:ph type="sldImg"/>
+          </p:nvPr>
+        </p:nvSpPr>
+        <p:spPr>
+          <a:xfrm>
+            <a:off x="381000" y="685800"/>
+            <a:ext cx="6096000" cy="3429000"/>
+          </a:xfrm>
+          <a:prstGeom prst="rect">
+            <a:avLst/>
+          </a:prstGeom>
+        </p:spPr>
+      </p:sp>
+      <p:sp>
+        <p:nvSpPr>
+          <p:cNvPr id="3" name="Notes Placeholder 2"/>
+          <p:cNvSpPr>
+            <a:spLocks noGrp="1"/>
+          </p:cNvSpPr>
+          <p:nvPr>
+            <p:ph type="body" idx="1"/>
+          </p:nvPr>
+        </p:nvSpPr>
+        <p:spPr>
+          <a:xfrm>
+            <a:off x="685800" y="4343400"/>
+            <a:ext cx="5486400" cy="4114800"/>
+          </a:xfrm>
+          <a:prstGeom prst="rect">
+            <a:avLst/>
+          </a:prstGeom>
+        </p:spPr>
+        <p:txBody>
+          <a:bodyPr>
+            <a:normAutofit/>
+          </a:bodyPr>
+          <a:lstStyle/>
+          <a:p>
+            <a:pPr algn="l"/>
+            <a:r>
+              <a:rPr lang="en-US" sz="1200" b="1" i="0" dirty="0">
+                <a:solidFill>
+                  <a:schemeClr val="tx1"/>
+                </a:solidFill>
+                <a:effectLst/>
+                <a:latin typeface="Segoe UI" panose="020B0502040204020203" pitchFamily="34" charset="0"/>
+              </a:rPr>
+              <a:t>ADR recovery components</a:t>
+            </a:r>
+          </a:p>
+          <a:p>
+            <a:pPr algn="l"/>
+            <a:r>
+              <a:rPr lang="en-US" sz="1200" b="0" i="0" dirty="0">
+                <a:solidFill>
+                  <a:schemeClr val="tx1"/>
+                </a:solidFill>
+                <a:effectLst/>
+                <a:latin typeface="Segoe UI" panose="020B0502040204020203" pitchFamily="34" charset="0"/>
+              </a:rPr>
+              <a:t>The four key components of ADR are:</a:t>
+            </a:r>
+          </a:p>
+          <a:p>
+            <a:pPr algn="l"/>
+            <a:endParaRPr lang="en-US" sz="1200" b="0" i="0" dirty="0">
+              <a:solidFill>
+                <a:schemeClr val="tx1"/>
+              </a:solidFill>
+              <a:effectLst/>
+              <a:latin typeface="Segoe UI" panose="020B0502040204020203" pitchFamily="34" charset="0"/>
+            </a:endParaRPr>
+          </a:p>
+          <a:p>
+            <a:pPr algn="l">
+              <a:buFont typeface="Arial" panose="020B0604020202020204" pitchFamily="34" charset="0"/>
+              <a:buNone/>
+            </a:pPr>
+            <a:r>
+              <a:rPr lang="en-US" sz="1200" b="1" i="0" dirty="0">
+                <a:solidFill>
+                  <a:schemeClr val="tx1"/>
+                </a:solidFill>
+                <a:effectLst/>
+                <a:latin typeface="Segoe UI" panose="020B0502040204020203" pitchFamily="34" charset="0"/>
+              </a:rPr>
+              <a:t>Persisted version store (PVS)</a:t>
+            </a:r>
+            <a:endParaRPr lang="en-US" sz="1200" b="0" i="0" dirty="0">
+              <a:solidFill>
+                <a:schemeClr val="tx1"/>
+              </a:solidFill>
+              <a:effectLst/>
+              <a:latin typeface="Segoe UI" panose="020B0502040204020203" pitchFamily="34" charset="0"/>
+            </a:endParaRPr>
+          </a:p>
+          <a:p>
+            <a:pPr algn="l">
+              <a:buFont typeface="Arial" panose="020B0604020202020204" pitchFamily="34" charset="0"/>
+              <a:buNone/>
+            </a:pPr>
+            <a:r>
+              <a:rPr lang="en-US" sz="1200" b="0" i="0" dirty="0">
+                <a:solidFill>
+                  <a:schemeClr val="tx1"/>
+                </a:solidFill>
+                <a:effectLst/>
+                <a:latin typeface="Segoe UI" panose="020B0502040204020203" pitchFamily="34" charset="0"/>
+              </a:rPr>
+              <a:t>The persisted version store is a new SQL Server database engine mechanism for persisting the row versions generated in the database itself instead of the traditional </a:t>
+            </a:r>
+            <a:r>
+              <a:rPr lang="en-US" sz="1200" b="0" i="0" dirty="0" err="1">
+                <a:solidFill>
+                  <a:schemeClr val="tx1"/>
+                </a:solidFill>
+                <a:effectLst/>
+                <a:latin typeface="Segoe UI" panose="020B0502040204020203" pitchFamily="34" charset="0"/>
+              </a:rPr>
+              <a:t>tempdb</a:t>
+            </a:r>
+            <a:r>
+              <a:rPr lang="en-US" sz="1200" b="0" i="0" dirty="0">
+                <a:solidFill>
+                  <a:schemeClr val="tx1"/>
+                </a:solidFill>
+                <a:effectLst/>
+                <a:latin typeface="Segoe UI" panose="020B0502040204020203" pitchFamily="34" charset="0"/>
+              </a:rPr>
+              <a:t> version store. PVS enables resource isolation as well as improves availability of readable secondaries.</a:t>
+            </a:r>
+          </a:p>
+          <a:p>
+            <a:pPr algn="l">
+              <a:buFont typeface="Arial" panose="020B0604020202020204" pitchFamily="34" charset="0"/>
+              <a:buNone/>
+            </a:pPr>
+            <a:endParaRPr lang="en-US" sz="1200" b="0" i="0" dirty="0">
+              <a:solidFill>
+                <a:schemeClr val="tx1"/>
+              </a:solidFill>
+              <a:effectLst/>
+              <a:latin typeface="Segoe UI" panose="020B0502040204020203" pitchFamily="34" charset="0"/>
+            </a:endParaRPr>
+          </a:p>
+          <a:p>
+            <a:endParaRPr lang="en-US" sz="1200" b="0" i="0" u="none" strike="noStrike" kern="1200" dirty="0">
+              <a:solidFill>
+                <a:schemeClr val="tx1"/>
+              </a:solidFill>
+              <a:effectLst/>
+              <a:latin typeface="Segoe UI Light" pitchFamily="34" charset="0"/>
+              <a:ea typeface="+mn-ea"/>
+              <a:cs typeface="+mn-cs"/>
+            </a:endParaRPr>
+          </a:p>
+        </p:txBody>
+      </p:sp>
+      <p:sp>
+        <p:nvSpPr>
+          <p:cNvPr id="4" name="Date Placeholder 3"/>
+          <p:cNvSpPr>
+            <a:spLocks noGrp="1"/>
+          </p:cNvSpPr>
+          <p:nvPr>
+            <p:ph type="dt" idx="10"/>
+          </p:nvPr>
+        </p:nvSpPr>
+        <p:spPr>
+          <a:xfrm>
+            <a:off x="3884613" y="0"/>
+            <a:ext cx="2971800" cy="457200"/>
+          </a:xfrm>
+          <a:prstGeom prst="rect">
+            <a:avLst/>
+          </a:prstGeom>
+        </p:spPr>
+        <p:txBody>
+          <a:bodyPr/>
+          <a:lstStyle/>
+          <a:p>
+            <a:fld id="{EA2B2ED8-C573-45EF-BF68-CEC19505703A}" type="datetime8">
+              <a:rPr lang="en-US" smtClean="0"/>
+              <a:pPr/>
+              <a:t>6/9/2022 10:19 PM</a:t>
+            </a:fld>
+            <a:endParaRPr lang="en-US" dirty="0"/>
+          </a:p>
+        </p:txBody>
+      </p:sp>
+      <p:sp>
+        <p:nvSpPr>
+          <p:cNvPr id="7" name="Slide Number Placeholder 6"/>
+          <p:cNvSpPr>
+            <a:spLocks noGrp="1"/>
+          </p:cNvSpPr>
+          <p:nvPr>
+            <p:ph type="sldNum" sz="quarter" idx="12"/>
+          </p:nvPr>
+        </p:nvSpPr>
+        <p:spPr>
+          <a:xfrm>
+            <a:off x="6172199" y="8685213"/>
+            <a:ext cx="684213" cy="457200"/>
+          </a:xfrm>
+          <a:prstGeom prst="rect">
+            <a:avLst/>
+          </a:prstGeom>
+        </p:spPr>
+        <p:txBody>
+          <a:bodyPr/>
+          <a:lstStyle/>
+          <a:p>
+            <a:fld id="{8B263312-38AA-4E1E-B2B5-0F8F122B24FE}" type="slidenum">
+              <a:rPr lang="en-US" smtClean="0"/>
+              <a:pPr/>
+              <a:t>8</a:t>
+            </a:fld>
+            <a:endParaRPr lang="en-US" dirty="0"/>
+          </a:p>
+        </p:txBody>
+      </p:sp>
+      <p:sp>
+        <p:nvSpPr>
+          <p:cNvPr id="6" name="Footer Placeholder 5"/>
+          <p:cNvSpPr>
+            <a:spLocks noGrp="1"/>
+          </p:cNvSpPr>
+          <p:nvPr>
+            <p:ph type="ftr" sz="quarter" idx="13"/>
+          </p:nvPr>
+        </p:nvSpPr>
+        <p:spPr/>
+        <p:txBody>
+          <a:bodyPr/>
+          <a:lstStyle/>
+          <a:p>
+            <a:pPr defTabSz="914099" eaLnBrk="0" hangingPunct="0"/>
+            <a:r>
+              <a:rPr lang="en-US" sz="400" dirty="0">
+                <a:gradFill>
+                  <a:gsLst>
+                    <a:gs pos="0">
+                      <a:prstClr val="black"/>
+                    </a:gs>
+                    <a:gs pos="100000">
+                      <a:prstClr val="black"/>
+                    </a:gs>
+                  </a:gsLst>
+                  <a:lin ang="5400000" scaled="0"/>
+                </a:gradFill>
+                <a:latin typeface="Segoe UI" pitchFamily="34" charset="0"/>
+                <a:ea typeface="Segoe UI" pitchFamily="34" charset="0"/>
+                <a:cs typeface="Segoe UI" pitchFamily="34" charset="0"/>
+              </a:rPr>
+              <a:t>© 2014 Microsoft Corporation. All rights reserved. MICROSOFT MAKES NO WARRANTIES, EXPRESS, IMPLIED OR STATUTORY, AS TO THE INFORMATION IN THIS PRESENTATION.</a:t>
+            </a:r>
+          </a:p>
+        </p:txBody>
+      </p:sp>
+      <p:sp>
+        <p:nvSpPr>
+          <p:cNvPr id="9" name="Header Placeholder 8"/>
+          <p:cNvSpPr>
+            <a:spLocks noGrp="1"/>
+          </p:cNvSpPr>
+          <p:nvPr>
+            <p:ph type="hdr" sz="quarter" idx="14"/>
+          </p:nvPr>
+        </p:nvSpPr>
+        <p:spPr/>
+        <p:txBody>
+          <a:bodyPr/>
+          <a:lstStyle/>
+          <a:p>
+            <a:endParaRPr lang="en-US" dirty="0"/>
+          </a:p>
+        </p:txBody>
+      </p:sp>
+    </p:spTree>
+    <p:extLst>
+      <p:ext uri="{BB962C8B-B14F-4D97-AF65-F5344CB8AC3E}">
+        <p14:creationId xmlns:p14="http://schemas.microsoft.com/office/powerpoint/2010/main" val="158272458"/>
       </p:ext>
     </p:extLst>
   </p:cSld>
@@ -22119,24 +22075,8 @@
                 <a:effectLst/>
                 <a:latin typeface="Segoe UI" panose="020B0502040204020203" pitchFamily="34" charset="0"/>
               </a:rPr>
-              <a:t>ADR recovery components</a:t>
-            </a:r>
-          </a:p>
-          <a:p>
-            <a:pPr algn="l"/>
-            <a:r>
-              <a:rPr lang="en-US" sz="1200" b="0" i="0" dirty="0">
-                <a:solidFill>
-                  <a:schemeClr val="tx1"/>
-                </a:solidFill>
-                <a:effectLst/>
-                <a:latin typeface="Segoe UI" panose="020B0502040204020203" pitchFamily="34" charset="0"/>
-              </a:rPr>
-              <a:t>The four key components of ADR are:</a:t>
-            </a:r>
-          </a:p>
-          <a:p>
-            <a:pPr algn="l"/>
+              <a:t>Logical revert</a:t>
+            </a:r>
             <a:endParaRPr lang="en-US" sz="1200" b="0" i="0" dirty="0">
               <a:solidFill>
                 <a:schemeClr val="tx1"/>
@@ -22151,29 +22091,6 @@
               <a:buNone/>
             </a:pPr>
             <a:r>
-              <a:rPr lang="en-US" sz="1200" b="1" i="0" dirty="0">
-                <a:solidFill>
-                  <a:schemeClr val="tx1"/>
-                </a:solidFill>
-                <a:effectLst/>
-                <a:latin typeface="Segoe UI" panose="020B0502040204020203" pitchFamily="34" charset="0"/>
-              </a:rPr>
-              <a:t>Persisted version store (PVS)</a:t>
-            </a:r>
-            <a:endParaRPr lang="en-US" sz="1200" b="0" i="0" dirty="0">
-              <a:solidFill>
-                <a:schemeClr val="tx1"/>
-              </a:solidFill>
-              <a:effectLst/>
-              <a:latin typeface="Segoe UI" panose="020B0502040204020203" pitchFamily="34" charset="0"/>
-            </a:endParaRPr>
-          </a:p>
-          <a:p>
-            <a:pPr algn="l">
-              <a:buFont typeface="Arial" panose="020B0604020202020204" pitchFamily="34" charset="0"/>
-              <a:buNone/>
-            </a:pPr>
-            <a:r>
               <a:rPr lang="en-US" sz="1200" b="0" i="0" dirty="0">
                 <a:solidFill>
                   <a:schemeClr val="tx1"/>
@@ -22181,18 +22098,14 @@
                 <a:effectLst/>
                 <a:latin typeface="Segoe UI" panose="020B0502040204020203" pitchFamily="34" charset="0"/>
               </a:rPr>
-              <a:t>The persisted version store is a new SQL Server database engine mechanism for persisting the row versions generated in the database itself instead of the traditional </a:t>
-            </a:r>
-            <a:r>
-              <a:rPr lang="en-US" sz="1200" b="0" i="0" dirty="0" err="1">
-                <a:solidFill>
-                  <a:schemeClr val="tx1"/>
-                </a:solidFill>
-                <a:effectLst/>
-                <a:latin typeface="Segoe UI" panose="020B0502040204020203" pitchFamily="34" charset="0"/>
-              </a:rPr>
-              <a:t>tempdb</a:t>
-            </a:r>
+              <a:t>Logical revert is the asynchronous process responsible for performing row-level version-based Undo - providing instant transaction rollback and undo for all versioned operations. Logical revert is accomplished by:</a:t>
+            </a:r>
+          </a:p>
+          <a:p>
+            <a:pPr marL="742950" lvl="1" indent="-285750" algn="l">
+              <a:buFont typeface="Arial" panose="020B0604020202020204" pitchFamily="34" charset="0"/>
+              <a:buChar char="•"/>
+            </a:pPr>
             <a:r>
               <a:rPr lang="en-US" sz="1200" b="0" i="0" dirty="0">
                 <a:solidFill>
@@ -22201,23 +22114,40 @@
                 <a:effectLst/>
                 <a:latin typeface="Segoe UI" panose="020B0502040204020203" pitchFamily="34" charset="0"/>
               </a:rPr>
-              <a:t> version store. PVS enables resource isolation as well as improves availability of readable secondaries.</a:t>
+              <a:t>Keeping track of all aborted transactions and marking them invisible to other transactions.</a:t>
             </a:r>
           </a:p>
           <a:p>
-            <a:pPr algn="l">
+            <a:pPr marL="742950" lvl="1" indent="-285750" algn="l">
               <a:buFont typeface="Arial" panose="020B0604020202020204" pitchFamily="34" charset="0"/>
-              <a:buNone/>
+              <a:buChar char="•"/>
             </a:pPr>
-            <a:endParaRPr lang="en-US" sz="1200" b="0" i="0" dirty="0">
-              <a:solidFill>
-                <a:schemeClr val="tx1"/>
-              </a:solidFill>
-              <a:effectLst/>
-              <a:latin typeface="Segoe UI" panose="020B0502040204020203" pitchFamily="34" charset="0"/>
-            </a:endParaRPr>
+            <a:r>
+              <a:rPr lang="en-US" sz="1200" b="0" i="0" dirty="0">
+                <a:solidFill>
+                  <a:schemeClr val="tx1"/>
+                </a:solidFill>
+                <a:effectLst/>
+                <a:latin typeface="Segoe UI" panose="020B0502040204020203" pitchFamily="34" charset="0"/>
+              </a:rPr>
+              <a:t>Performing rollback by using PVS for all user transactions, rather than physically scanning the transaction log and undoing changes one at a time.</a:t>
+            </a:r>
           </a:p>
           <a:p>
+            <a:pPr marL="742950" lvl="1" indent="-285750" algn="l">
+              <a:buFont typeface="Arial" panose="020B0604020202020204" pitchFamily="34" charset="0"/>
+              <a:buChar char="•"/>
+            </a:pPr>
+            <a:r>
+              <a:rPr lang="en-US" sz="1200" b="0" i="0" dirty="0">
+                <a:solidFill>
+                  <a:schemeClr val="tx1"/>
+                </a:solidFill>
+                <a:effectLst/>
+                <a:latin typeface="Segoe UI" panose="020B0502040204020203" pitchFamily="34" charset="0"/>
+              </a:rPr>
+              <a:t>Releasing all locks immediately after transaction abort. Since abort involves simply marking changes in memory, the process is very efficient </a:t>
+            </a:r>
             <a:endParaRPr lang="en-US" sz="1200" b="0" i="0" u="none" strike="noStrike" kern="1200" dirty="0">
               <a:solidFill>
                 <a:schemeClr val="tx1"/>
@@ -22256,7 +22186,7 @@
             <a:fld id="{EA2B2ED8-C573-45EF-BF68-CEC19505703A}" type="datetime8">
               <a:rPr lang="en-US" smtClean="0"/>
               <a:pPr/>
-              <a:t>2/9/2022 4:04 PM</a:t>
+              <a:t>6/9/2022 10:19 PM</a:t>
             </a:fld>
             <a:endParaRPr lang="en-US" dirty="0"/>
           </a:p>
@@ -22354,7 +22284,7 @@
     </p:spTree>
     <p:extLst>
       <p:ext uri="{BB962C8B-B14F-4D97-AF65-F5344CB8AC3E}">
-        <p14:creationId xmlns:p14="http://schemas.microsoft.com/office/powerpoint/2010/main" val="158272458"/>
+        <p14:creationId xmlns:p14="http://schemas.microsoft.com/office/powerpoint/2010/main" val="2652046932"/>
       </p:ext>
     </p:extLst>
   </p:cSld>
@@ -22426,7 +22356,10 @@
           </a:bodyPr>
           <a:lstStyle/>
           <a:p>
-            <a:pPr algn="l"/>
+            <a:pPr algn="l">
+              <a:buFont typeface="Arial" panose="020B0604020202020204" pitchFamily="34" charset="0"/>
+              <a:buNone/>
+            </a:pPr>
             <a:r>
               <a:rPr lang="en-US" sz="1200" b="1" i="0" dirty="0">
                 <a:solidFill>
@@ -22435,7 +22368,7 @@
                 <a:effectLst/>
                 <a:latin typeface="Segoe UI" panose="020B0502040204020203" pitchFamily="34" charset="0"/>
               </a:rPr>
-              <a:t>Logical revert</a:t>
+              <a:t>sLog</a:t>
             </a:r>
             <a:endParaRPr lang="en-US" sz="1200" b="0" i="0" dirty="0">
               <a:solidFill>
@@ -22458,7 +22391,7 @@
                 <a:effectLst/>
                 <a:latin typeface="Segoe UI" panose="020B0502040204020203" pitchFamily="34" charset="0"/>
               </a:rPr>
-              <a:t>Logical revert is the asynchronous process responsible for performing row-level version-based Undo - providing instant transaction rollback and undo for all versioned operations. Logical revert is accomplished by:</a:t>
+              <a:t>sLog is a secondary in-memory log stream that stores log records for non-versioned operations (such as metadata cache invalidation, lock acquisitions, and so on). The sLog is:</a:t>
             </a:r>
           </a:p>
           <a:p>
@@ -22474,7 +22407,7 @@
                 <a:effectLst/>
                 <a:latin typeface="Segoe UI" panose="020B0502040204020203" pitchFamily="34" charset="0"/>
               </a:rPr>
-              <a:t>Keeping track of all aborted transactions and marking them invisible to other transactions.</a:t>
+              <a:t>Low volume and in-memory</a:t>
             </a:r>
           </a:p>
           <a:p>
@@ -22490,7 +22423,7 @@
                 <a:effectLst/>
                 <a:latin typeface="Segoe UI" panose="020B0502040204020203" pitchFamily="34" charset="0"/>
               </a:rPr>
-              <a:t>Performing rollback by using PVS for all user transactions, rather than physically scanning the transaction log and undoing changes one at a time.</a:t>
+              <a:t>Persisted on disk by being serialized during the checkpoint process</a:t>
             </a:r>
           </a:p>
           <a:p>
@@ -22506,8 +22439,42 @@
                 <a:effectLst/>
                 <a:latin typeface="Segoe UI" panose="020B0502040204020203" pitchFamily="34" charset="0"/>
               </a:rPr>
-              <a:t>Releasing all locks immediately after transaction abort. Since abort involves simply marking changes in memory, the process is very efficient </a:t>
-            </a:r>
+              <a:t>Periodically truncated as transactions commit</a:t>
+            </a:r>
+          </a:p>
+          <a:p>
+            <a:pPr marL="742950" lvl="1" indent="-285750" algn="l">
+              <a:buFont typeface="Arial" panose="020B0604020202020204" pitchFamily="34" charset="0"/>
+              <a:buChar char="•"/>
+            </a:pPr>
+            <a:r>
+              <a:rPr lang="en-US" sz="1200" b="0" i="0" dirty="0">
+                <a:solidFill>
+                  <a:schemeClr val="tx1"/>
+                </a:solidFill>
+                <a:effectLst/>
+                <a:latin typeface="Segoe UI" panose="020B0502040204020203" pitchFamily="34" charset="0"/>
+              </a:rPr>
+              <a:t>Accelerates redo and undo by processing only the non-versioned operations</a:t>
+            </a:r>
+          </a:p>
+          <a:p>
+            <a:pPr marL="742950" lvl="1" indent="-285750" algn="l">
+              <a:buFont typeface="Arial" panose="020B0604020202020204" pitchFamily="34" charset="0"/>
+              <a:buChar char="•"/>
+            </a:pPr>
+            <a:r>
+              <a:rPr lang="en-US" sz="1200" b="0" i="0" dirty="0">
+                <a:solidFill>
+                  <a:schemeClr val="tx1"/>
+                </a:solidFill>
+                <a:effectLst/>
+                <a:latin typeface="Segoe UI" panose="020B0502040204020203" pitchFamily="34" charset="0"/>
+              </a:rPr>
+              <a:t>Enables aggressive transaction log truncation by preserving only the required log records</a:t>
+            </a:r>
+          </a:p>
+          <a:p>
             <a:endParaRPr lang="en-US" sz="1200" b="0" i="0" u="none" strike="noStrike" kern="1200" dirty="0">
               <a:solidFill>
                 <a:schemeClr val="tx1"/>
@@ -22546,7 +22513,7 @@
             <a:fld id="{EA2B2ED8-C573-45EF-BF68-CEC19505703A}" type="datetime8">
               <a:rPr lang="en-US" smtClean="0"/>
               <a:pPr/>
-              <a:t>2/9/2022 4:04 PM</a:t>
+              <a:t>6/9/2022 10:19 PM</a:t>
             </a:fld>
             <a:endParaRPr lang="en-US" dirty="0"/>
           </a:p>
@@ -22644,7 +22611,7 @@
     </p:spTree>
     <p:extLst>
       <p:ext uri="{BB962C8B-B14F-4D97-AF65-F5344CB8AC3E}">
-        <p14:creationId xmlns:p14="http://schemas.microsoft.com/office/powerpoint/2010/main" val="2652046932"/>
+        <p14:creationId xmlns:p14="http://schemas.microsoft.com/office/powerpoint/2010/main" val="1851516857"/>
       </p:ext>
     </p:extLst>
   </p:cSld>
@@ -33097,7 +33064,7 @@
                 </a:solidFill>
               </a:rPr>
               <a:pPr/>
-              <a:t>2/9/2022</a:t>
+              <a:t>6/9/2022</a:t>
             </a:fld>
             <a:endParaRPr lang="en-US" dirty="0">
               <a:solidFill>
@@ -36734,7 +36701,7 @@
           <a:p>
             <a:fld id="{A8085009-E053-4CFC-B70B-71D82C275186}" type="datetimeFigureOut">
               <a:rPr lang="en-US" smtClean="0"/>
-              <a:t>2/9/2022</a:t>
+              <a:t>6/9/2022</a:t>
             </a:fld>
             <a:endParaRPr lang="en-US"/>
           </a:p>
@@ -40317,8 +40284,8 @@
         </p:nvSpPr>
         <p:spPr>
           <a:xfrm>
-            <a:off x="496114" y="2722354"/>
-            <a:ext cx="5199473" cy="1772793"/>
+            <a:off x="465634" y="2124279"/>
+            <a:ext cx="5199473" cy="3102388"/>
           </a:xfrm>
         </p:spPr>
         <p:txBody>
@@ -40342,6 +40309,19 @@
             <a:r>
               <a:rPr lang="en-US" dirty="0"/>
               <a:t>Database Recovery</a:t>
+            </a:r>
+            <a:br>
+              <a:rPr lang="en-US" dirty="0"/>
+            </a:br>
+            <a:br>
+              <a:rPr lang="en-US" dirty="0"/>
+            </a:br>
+            <a:br>
+              <a:rPr lang="en-US" dirty="0"/>
+            </a:br>
+            <a:r>
+              <a:rPr lang="en-US" dirty="0"/>
+              <a:t>John Deardurff</a:t>
             </a:r>
             <a:br>
               <a:rPr lang="en-US" dirty="0"/>
@@ -40505,6 +40485,12 @@
           <a:prstGeom prst="ellipse">
             <a:avLst/>
           </a:prstGeom>
+          <a:solidFill>
+            <a:schemeClr val="accent4">
+              <a:lumMod val="60000"/>
+              <a:lumOff val="40000"/>
+            </a:schemeClr>
+          </a:solidFill>
         </p:spPr>
         <p:style>
           <a:lnRef idx="2">
@@ -40554,12 +40540,6 @@
           <a:prstGeom prst="ellipse">
             <a:avLst/>
           </a:prstGeom>
-          <a:solidFill>
-            <a:schemeClr val="accent4">
-              <a:lumMod val="60000"/>
-              <a:lumOff val="40000"/>
-            </a:schemeClr>
-          </a:solidFill>
         </p:spPr>
         <p:style>
           <a:lnRef idx="2">
@@ -40673,410 +40653,7 @@
           <p:nvPr>
             <p:extLst>
               <p:ext uri="{D42A27DB-BD31-4B8C-83A1-F6EECF244321}">
-                <p14:modId xmlns:p14="http://schemas.microsoft.com/office/powerpoint/2010/main" val="342142124"/>
-              </p:ext>
-            </p:extLst>
-          </p:nvPr>
-        </p:nvGraphicFramePr>
-        <p:xfrm>
-          <a:off x="429894" y="951710"/>
-          <a:ext cx="11049000" cy="3252259"/>
-        </p:xfrm>
-        <a:graphic>
-          <a:graphicData uri="http://schemas.openxmlformats.org/drawingml/2006/diagram">
-            <dgm:relIds xmlns:dgm="http://schemas.openxmlformats.org/drawingml/2006/diagram" xmlns:r="http://schemas.openxmlformats.org/officeDocument/2006/relationships" r:dm="rId4" r:lo="rId5" r:qs="rId6" r:cs="rId7"/>
-          </a:graphicData>
-        </a:graphic>
-      </p:graphicFrame>
-      <p:sp>
-        <p:nvSpPr>
-          <p:cNvPr id="3" name="Oval 2">
-            <a:extLst>
-              <a:ext uri="{FF2B5EF4-FFF2-40B4-BE49-F238E27FC236}">
-                <a16:creationId xmlns:a16="http://schemas.microsoft.com/office/drawing/2014/main" id="{D4EE3785-7CE5-46D1-AED6-FF27CC750693}"/>
-              </a:ext>
-            </a:extLst>
-          </p:cNvPr>
-          <p:cNvSpPr/>
-          <p:nvPr/>
-        </p:nvSpPr>
-        <p:spPr>
-          <a:xfrm>
-            <a:off x="3779884" y="4299210"/>
-            <a:ext cx="1841029" cy="1862822"/>
-          </a:xfrm>
-          <a:prstGeom prst="ellipse">
-            <a:avLst/>
-          </a:prstGeom>
-          <a:noFill/>
-          <a:ln>
-            <a:solidFill>
-              <a:schemeClr val="accent3">
-                <a:lumMod val="50000"/>
-              </a:schemeClr>
-            </a:solidFill>
-          </a:ln>
-          <a:effectLst>
-            <a:glow rad="228600">
-              <a:schemeClr val="accent3">
-                <a:satMod val="175000"/>
-                <a:alpha val="40000"/>
-              </a:schemeClr>
-            </a:glow>
-          </a:effectLst>
-        </p:spPr>
-        <p:style>
-          <a:lnRef idx="2">
-            <a:schemeClr val="accent1">
-              <a:shade val="50000"/>
-            </a:schemeClr>
-          </a:lnRef>
-          <a:fillRef idx="1">
-            <a:schemeClr val="accent1"/>
-          </a:fillRef>
-          <a:effectRef idx="0">
-            <a:schemeClr val="accent1"/>
-          </a:effectRef>
-          <a:fontRef idx="minor">
-            <a:schemeClr val="lt1"/>
-          </a:fontRef>
-        </p:style>
-        <p:txBody>
-          <a:bodyPr rtlCol="0" anchor="ctr"/>
-          <a:lstStyle/>
-          <a:p>
-            <a:pPr algn="ctr"/>
-            <a:endParaRPr lang="en-US"/>
-          </a:p>
-        </p:txBody>
-      </p:sp>
-    </p:spTree>
-    <p:custDataLst>
-      <p:tags r:id="rId1"/>
-    </p:custDataLst>
-    <p:extLst>
-      <p:ext uri="{BB962C8B-B14F-4D97-AF65-F5344CB8AC3E}">
-        <p14:creationId xmlns:p14="http://schemas.microsoft.com/office/powerpoint/2010/main" val="368539344"/>
-      </p:ext>
-    </p:extLst>
-  </p:cSld>
-  <p:clrMapOvr>
-    <a:masterClrMapping/>
-  </p:clrMapOvr>
-  <mc:AlternateContent xmlns:mc="http://schemas.openxmlformats.org/markup-compatibility/2006" xmlns:p14="http://schemas.microsoft.com/office/powerpoint/2010/main">
-    <mc:Choice Requires="p14">
-      <p:transition spd="med" p14:dur="700">
-        <p:fade/>
-      </p:transition>
-    </mc:Choice>
-    <mc:Fallback xmlns="">
-      <p:transition spd="med">
-        <p:fade/>
-      </p:transition>
-    </mc:Fallback>
-  </mc:AlternateContent>
-</p:sld>
-</file>
-
-<file path=ppt/slides/slide11.xml><?xml version="1.0" encoding="utf-8"?>
-<p:sld xmlns:a="http://schemas.openxmlformats.org/drawingml/2006/main" xmlns:r="http://schemas.openxmlformats.org/officeDocument/2006/relationships" xmlns:p="http://schemas.openxmlformats.org/presentationml/2006/main">
-  <p:cSld>
-    <p:spTree>
-      <p:nvGrpSpPr>
-        <p:cNvPr id="1" name=""/>
-        <p:cNvGrpSpPr/>
-        <p:nvPr/>
-      </p:nvGrpSpPr>
-      <p:grpSpPr>
-        <a:xfrm>
-          <a:off x="0" y="0"/>
-          <a:ext cx="0" cy="0"/>
-          <a:chOff x="0" y="0"/>
-          <a:chExt cx="0" cy="0"/>
-        </a:xfrm>
-      </p:grpSpPr>
-      <p:sp>
-        <p:nvSpPr>
-          <p:cNvPr id="2" name="Title 1"/>
-          <p:cNvSpPr>
-            <a:spLocks noGrp="1"/>
-          </p:cNvSpPr>
-          <p:nvPr>
-            <p:ph type="title"/>
-          </p:nvPr>
-        </p:nvSpPr>
-        <p:spPr>
-          <a:xfrm>
-            <a:off x="269238" y="174885"/>
-            <a:ext cx="11370312" cy="1143000"/>
-          </a:xfrm>
-        </p:spPr>
-        <p:txBody>
-          <a:bodyPr/>
-          <a:lstStyle/>
-          <a:p>
-            <a:r>
-              <a:rPr lang="en-US" dirty="0">
-                <a:solidFill>
-                  <a:schemeClr val="accent5"/>
-                </a:solidFill>
-              </a:rPr>
-              <a:t>Accelerated Database Recovery Components</a:t>
-            </a:r>
-          </a:p>
-        </p:txBody>
-      </p:sp>
-      <p:sp>
-        <p:nvSpPr>
-          <p:cNvPr id="4" name="Oval 3">
-            <a:extLst>
-              <a:ext uri="{FF2B5EF4-FFF2-40B4-BE49-F238E27FC236}">
-                <a16:creationId xmlns:a16="http://schemas.microsoft.com/office/drawing/2014/main" id="{F6CFFB15-F7C5-4ED4-9B03-1573A378BBAB}"/>
-              </a:ext>
-            </a:extLst>
-          </p:cNvPr>
-          <p:cNvSpPr/>
-          <p:nvPr/>
-        </p:nvSpPr>
-        <p:spPr>
-          <a:xfrm>
-            <a:off x="1171575" y="4299210"/>
-            <a:ext cx="1809750" cy="1853940"/>
-          </a:xfrm>
-          <a:prstGeom prst="ellipse">
-            <a:avLst/>
-          </a:prstGeom>
-          <a:solidFill>
-            <a:schemeClr val="accent4">
-              <a:lumMod val="60000"/>
-              <a:lumOff val="40000"/>
-            </a:schemeClr>
-          </a:solidFill>
-        </p:spPr>
-        <p:style>
-          <a:lnRef idx="2">
-            <a:schemeClr val="accent5">
-              <a:shade val="50000"/>
-            </a:schemeClr>
-          </a:lnRef>
-          <a:fillRef idx="1">
-            <a:schemeClr val="accent5"/>
-          </a:fillRef>
-          <a:effectRef idx="0">
-            <a:schemeClr val="accent5"/>
-          </a:effectRef>
-          <a:fontRef idx="minor">
-            <a:schemeClr val="lt1"/>
-          </a:fontRef>
-        </p:style>
-        <p:txBody>
-          <a:bodyPr rtlCol="0" anchor="ctr"/>
-          <a:lstStyle/>
-          <a:p>
-            <a:pPr algn="ctr"/>
-            <a:r>
-              <a:rPr lang="en-US" sz="3200" dirty="0"/>
-              <a:t>PVS </a:t>
-            </a:r>
-          </a:p>
-          <a:p>
-            <a:pPr algn="ctr"/>
-            <a:r>
-              <a:rPr lang="en-US" sz="1400" dirty="0"/>
-              <a:t>Persisted Version Store</a:t>
-            </a:r>
-          </a:p>
-        </p:txBody>
-      </p:sp>
-      <p:sp>
-        <p:nvSpPr>
-          <p:cNvPr id="5" name="Oval 4">
-            <a:extLst>
-              <a:ext uri="{FF2B5EF4-FFF2-40B4-BE49-F238E27FC236}">
-                <a16:creationId xmlns:a16="http://schemas.microsoft.com/office/drawing/2014/main" id="{41862E9B-F096-4A58-9538-D5BA869DF9AF}"/>
-              </a:ext>
-            </a:extLst>
-          </p:cNvPr>
-          <p:cNvSpPr/>
-          <p:nvPr/>
-        </p:nvSpPr>
-        <p:spPr>
-          <a:xfrm>
-            <a:off x="3811164" y="4299210"/>
-            <a:ext cx="1809750" cy="1853940"/>
-          </a:xfrm>
-          <a:prstGeom prst="ellipse">
-            <a:avLst/>
-          </a:prstGeom>
-          <a:solidFill>
-            <a:schemeClr val="accent4">
-              <a:lumMod val="60000"/>
-              <a:lumOff val="40000"/>
-            </a:schemeClr>
-          </a:solidFill>
-        </p:spPr>
-        <p:style>
-          <a:lnRef idx="2">
-            <a:schemeClr val="accent5">
-              <a:shade val="50000"/>
-            </a:schemeClr>
-          </a:lnRef>
-          <a:fillRef idx="1">
-            <a:schemeClr val="accent5"/>
-          </a:fillRef>
-          <a:effectRef idx="0">
-            <a:schemeClr val="accent5"/>
-          </a:effectRef>
-          <a:fontRef idx="minor">
-            <a:schemeClr val="lt1"/>
-          </a:fontRef>
-        </p:style>
-        <p:txBody>
-          <a:bodyPr rtlCol="0" anchor="ctr"/>
-          <a:lstStyle/>
-          <a:p>
-            <a:pPr algn="ctr"/>
-            <a:r>
-              <a:rPr lang="en-US" sz="2400" dirty="0"/>
-              <a:t>Logical Revert</a:t>
-            </a:r>
-          </a:p>
-        </p:txBody>
-      </p:sp>
-      <p:sp>
-        <p:nvSpPr>
-          <p:cNvPr id="7" name="Oval 6">
-            <a:extLst>
-              <a:ext uri="{FF2B5EF4-FFF2-40B4-BE49-F238E27FC236}">
-                <a16:creationId xmlns:a16="http://schemas.microsoft.com/office/drawing/2014/main" id="{21B52A34-5644-41B7-9057-BD1947685288}"/>
-              </a:ext>
-            </a:extLst>
-          </p:cNvPr>
-          <p:cNvSpPr/>
-          <p:nvPr/>
-        </p:nvSpPr>
-        <p:spPr>
-          <a:xfrm>
-            <a:off x="6450753" y="4299210"/>
-            <a:ext cx="1809750" cy="1853940"/>
-          </a:xfrm>
-          <a:prstGeom prst="ellipse">
-            <a:avLst/>
-          </a:prstGeom>
-        </p:spPr>
-        <p:style>
-          <a:lnRef idx="2">
-            <a:schemeClr val="accent5">
-              <a:shade val="50000"/>
-            </a:schemeClr>
-          </a:lnRef>
-          <a:fillRef idx="1">
-            <a:schemeClr val="accent5"/>
-          </a:fillRef>
-          <a:effectRef idx="0">
-            <a:schemeClr val="accent5"/>
-          </a:effectRef>
-          <a:fontRef idx="minor">
-            <a:schemeClr val="lt1"/>
-          </a:fontRef>
-        </p:style>
-        <p:txBody>
-          <a:bodyPr rtlCol="0" anchor="ctr"/>
-          <a:lstStyle/>
-          <a:p>
-            <a:pPr algn="ctr"/>
-            <a:r>
-              <a:rPr lang="en-US" sz="2400" dirty="0"/>
-              <a:t>sLog </a:t>
-            </a:r>
-            <a:endParaRPr lang="en-US" sz="1400" dirty="0"/>
-          </a:p>
-          <a:p>
-            <a:pPr algn="ctr"/>
-            <a:r>
-              <a:rPr lang="en-US" sz="1400" dirty="0"/>
-              <a:t>Special </a:t>
-            </a:r>
-          </a:p>
-          <a:p>
-            <a:pPr algn="ctr"/>
-            <a:r>
-              <a:rPr lang="en-US" sz="1400" dirty="0"/>
-              <a:t>In-Memory Log Stream</a:t>
-            </a:r>
-            <a:endParaRPr lang="en-US" sz="2400" dirty="0"/>
-          </a:p>
-        </p:txBody>
-      </p:sp>
-      <p:sp>
-        <p:nvSpPr>
-          <p:cNvPr id="11" name="Oval 10">
-            <a:extLst>
-              <a:ext uri="{FF2B5EF4-FFF2-40B4-BE49-F238E27FC236}">
-                <a16:creationId xmlns:a16="http://schemas.microsoft.com/office/drawing/2014/main" id="{169AEC14-19B8-4547-A0B0-FFA12CA6A2D1}"/>
-              </a:ext>
-            </a:extLst>
-          </p:cNvPr>
-          <p:cNvSpPr/>
-          <p:nvPr/>
-        </p:nvSpPr>
-        <p:spPr>
-          <a:xfrm>
-            <a:off x="9090343" y="4299210"/>
-            <a:ext cx="1809750" cy="1853940"/>
-          </a:xfrm>
-          <a:prstGeom prst="ellipse">
-            <a:avLst/>
-          </a:prstGeom>
-          <a:solidFill>
-            <a:schemeClr val="accent4">
-              <a:lumMod val="60000"/>
-              <a:lumOff val="40000"/>
-            </a:schemeClr>
-          </a:solidFill>
-        </p:spPr>
-        <p:style>
-          <a:lnRef idx="2">
-            <a:schemeClr val="accent5">
-              <a:shade val="50000"/>
-            </a:schemeClr>
-          </a:lnRef>
-          <a:fillRef idx="1">
-            <a:schemeClr val="accent5"/>
-          </a:fillRef>
-          <a:effectRef idx="0">
-            <a:schemeClr val="accent5"/>
-          </a:effectRef>
-          <a:fontRef idx="minor">
-            <a:schemeClr val="lt1"/>
-          </a:fontRef>
-        </p:style>
-        <p:txBody>
-          <a:bodyPr rtlCol="0" anchor="ctr"/>
-          <a:lstStyle/>
-          <a:p>
-            <a:pPr algn="ctr"/>
-            <a:r>
-              <a:rPr lang="en-US" sz="2400" dirty="0"/>
-              <a:t>Cleaner</a:t>
-            </a:r>
-          </a:p>
-        </p:txBody>
-      </p:sp>
-      <p:graphicFrame>
-        <p:nvGraphicFramePr>
-          <p:cNvPr id="14" name="Diagram 13">
-            <a:extLst>
-              <a:ext uri="{FF2B5EF4-FFF2-40B4-BE49-F238E27FC236}">
-                <a16:creationId xmlns:a16="http://schemas.microsoft.com/office/drawing/2014/main" id="{49F498C4-E109-46D2-8DC1-C4AFD1651309}"/>
-              </a:ext>
-            </a:extLst>
-          </p:cNvPr>
-          <p:cNvGraphicFramePr/>
-          <p:nvPr>
-            <p:extLst>
-              <p:ext uri="{D42A27DB-BD31-4B8C-83A1-F6EECF244321}">
-                <p14:modId xmlns:p14="http://schemas.microsoft.com/office/powerpoint/2010/main" val="1762264790"/>
+                <p14:modId xmlns:p14="http://schemas.microsoft.com/office/powerpoint/2010/main" val="1276865680"/>
               </p:ext>
             </p:extLst>
           </p:nvPr>
@@ -41181,7 +40758,7 @@
 </p:sld>
 </file>
 
-<file path=ppt/slides/slide12.xml><?xml version="1.0" encoding="utf-8"?>
+<file path=ppt/slides/slide11.xml><?xml version="1.0" encoding="utf-8"?>
 <p:sld xmlns:a="http://schemas.openxmlformats.org/drawingml/2006/main" xmlns:r="http://schemas.openxmlformats.org/officeDocument/2006/relationships" xmlns:p="http://schemas.openxmlformats.org/presentationml/2006/main">
   <p:cSld>
     <p:spTree>
@@ -41584,7 +41161,7 @@
 </p:sld>
 </file>
 
-<file path=ppt/slides/slide13.xml><?xml version="1.0" encoding="utf-8"?>
+<file path=ppt/slides/slide12.xml><?xml version="1.0" encoding="utf-8"?>
 <p:sld xmlns:a="http://schemas.openxmlformats.org/drawingml/2006/main" xmlns:r="http://schemas.openxmlformats.org/officeDocument/2006/relationships" xmlns:p="http://schemas.openxmlformats.org/presentationml/2006/main">
   <p:cSld>
     <p:spTree>
@@ -47470,7 +47047,7 @@
 </p:sld>
 </file>
 
-<file path=ppt/slides/slide14.xml><?xml version="1.0" encoding="utf-8"?>
+<file path=ppt/slides/slide13.xml><?xml version="1.0" encoding="utf-8"?>
 <p:sld xmlns:a="http://schemas.openxmlformats.org/drawingml/2006/main" xmlns:r="http://schemas.openxmlformats.org/officeDocument/2006/relationships" xmlns:p="http://schemas.openxmlformats.org/presentationml/2006/main">
   <p:cSld>
     <p:spTree>
@@ -47630,7 +47207,7 @@
 </p:sld>
 </file>
 
-<file path=ppt/slides/slide15.xml><?xml version="1.0" encoding="utf-8"?>
+<file path=ppt/slides/slide14.xml><?xml version="1.0" encoding="utf-8"?>
 <p:sld xmlns:a="http://schemas.openxmlformats.org/drawingml/2006/main" xmlns:r="http://schemas.openxmlformats.org/officeDocument/2006/relationships" xmlns:p="http://schemas.openxmlformats.org/presentationml/2006/main">
   <p:cSld>
     <p:spTree>
@@ -47668,7 +47245,7 @@
                   <a:schemeClr val="accent5"/>
                 </a:solidFill>
               </a:rPr>
-              <a:t>Accelerated Dabase Recovery FAQ</a:t>
+              <a:t>Accelerated Database Recovery FAQ</a:t>
             </a:r>
           </a:p>
         </p:txBody>
@@ -47729,7 +47306,7 @@
 </p:sld>
 </file>
 
-<file path=ppt/slides/slide16.xml><?xml version="1.0" encoding="utf-8"?>
+<file path=ppt/slides/slide15.xml><?xml version="1.0" encoding="utf-8"?>
 <p:sld xmlns:a="http://schemas.openxmlformats.org/drawingml/2006/main" xmlns:r="http://schemas.openxmlformats.org/officeDocument/2006/relationships" xmlns:p="http://schemas.openxmlformats.org/presentationml/2006/main">
   <p:cSld>
     <p:spTree>
@@ -47882,7 +47459,7 @@
 </p:sld>
 </file>
 
-<file path=ppt/slides/slide17.xml><?xml version="1.0" encoding="utf-8"?>
+<file path=ppt/slides/slide16.xml><?xml version="1.0" encoding="utf-8"?>
 <p:sld xmlns:a="http://schemas.openxmlformats.org/drawingml/2006/main" xmlns:r="http://schemas.openxmlformats.org/officeDocument/2006/relationships" xmlns:p="http://schemas.openxmlformats.org/presentationml/2006/main">
   <p:cSld>
     <p:spTree>
@@ -48149,8 +47726,8 @@
         </p:nvSpPr>
         <p:spPr>
           <a:xfrm>
-            <a:off x="3695811" y="1599016"/>
-            <a:ext cx="7974384" cy="3170099"/>
+            <a:off x="3695811" y="1414351"/>
+            <a:ext cx="7974384" cy="3539430"/>
           </a:xfrm>
           <a:prstGeom prst="rect">
             <a:avLst/>
@@ -48305,6 +47882,39 @@
               </a:rPr>
               <a:t>MVP: Data Platform (2016 – 2018)</a:t>
             </a:r>
+          </a:p>
+          <a:p>
+            <a:pPr marL="0" marR="0" lvl="0" indent="0" algn="l" defTabSz="914400" rtl="0" eaLnBrk="1" fontAlgn="auto" latinLnBrk="0" hangingPunct="1">
+              <a:lnSpc>
+                <a:spcPct val="100000"/>
+              </a:lnSpc>
+              <a:spcBef>
+                <a:spcPts val="0"/>
+              </a:spcBef>
+              <a:spcAft>
+                <a:spcPts val="0"/>
+              </a:spcAft>
+              <a:buClrTx/>
+              <a:buSzTx/>
+              <a:buFontTx/>
+              <a:buNone/>
+              <a:tabLst/>
+              <a:defRPr/>
+            </a:pPr>
+            <a:endParaRPr kumimoji="0" lang="en-US" sz="2400" b="0" i="0" u="none" strike="noStrike" kern="1200" cap="none" spc="0" normalizeH="0" baseline="0" noProof="0" dirty="0">
+              <a:ln>
+                <a:noFill/>
+              </a:ln>
+              <a:solidFill>
+                <a:prstClr val="white"/>
+              </a:solidFill>
+              <a:effectLst/>
+              <a:uLnTx/>
+              <a:uFillTx/>
+              <a:latin typeface="Arial" panose="020B0604020202020204" pitchFamily="34" charset="0"/>
+              <a:ea typeface="+mn-ea"/>
+              <a:cs typeface="Arial" panose="020B0604020202020204" pitchFamily="34" charset="0"/>
+            </a:endParaRPr>
           </a:p>
           <a:p>
             <a:pPr marL="0" marR="0" lvl="0" indent="0" algn="l" defTabSz="914400" rtl="0" eaLnBrk="1" fontAlgn="auto" latinLnBrk="0" hangingPunct="1">
@@ -48704,13 +48314,13 @@
   <p:clrMapOvr>
     <a:masterClrMapping/>
   </p:clrMapOvr>
-  <mc:AlternateContent xmlns:mc="http://schemas.openxmlformats.org/markup-compatibility/2006">
-    <mc:Choice xmlns:p159="http://schemas.microsoft.com/office/powerpoint/2015/09/main" Requires="p159">
+  <mc:AlternateContent xmlns:mc="http://schemas.openxmlformats.org/markup-compatibility/2006" xmlns:p159="http://schemas.microsoft.com/office/powerpoint/2015/09/main">
+    <mc:Choice Requires="p159">
       <p:transition xmlns:p14="http://schemas.microsoft.com/office/powerpoint/2010/main" spd="slow" p14:dur="2000">
         <p159:morph option="byObject"/>
       </p:transition>
     </mc:Choice>
-    <mc:Fallback>
+    <mc:Fallback xmlns="">
       <p:transition spd="slow">
         <p:fade/>
       </p:transition>
@@ -48720,323 +48330,6 @@
 </file>
 
 <file path=ppt/slides/slide3.xml><?xml version="1.0" encoding="utf-8"?>
-<p:sld xmlns:a="http://schemas.openxmlformats.org/drawingml/2006/main" xmlns:r="http://schemas.openxmlformats.org/officeDocument/2006/relationships" xmlns:p="http://schemas.openxmlformats.org/presentationml/2006/main" show="0">
-  <p:cSld>
-    <p:spTree>
-      <p:nvGrpSpPr>
-        <p:cNvPr id="1" name=""/>
-        <p:cNvGrpSpPr/>
-        <p:nvPr/>
-      </p:nvGrpSpPr>
-      <p:grpSpPr>
-        <a:xfrm>
-          <a:off x="0" y="0"/>
-          <a:ext cx="0" cy="0"/>
-          <a:chOff x="0" y="0"/>
-          <a:chExt cx="0" cy="0"/>
-        </a:xfrm>
-      </p:grpSpPr>
-      <p:sp>
-        <p:nvSpPr>
-          <p:cNvPr id="60" name="Title 59">
-            <a:extLst>
-              <a:ext uri="{FF2B5EF4-FFF2-40B4-BE49-F238E27FC236}">
-                <a16:creationId xmlns:a16="http://schemas.microsoft.com/office/drawing/2014/main" id="{C9B07188-2F60-4144-BDC6-30C5D40556EA}"/>
-              </a:ext>
-            </a:extLst>
-          </p:cNvPr>
-          <p:cNvSpPr>
-            <a:spLocks noGrp="1"/>
-          </p:cNvSpPr>
-          <p:nvPr>
-            <p:ph type="title"/>
-          </p:nvPr>
-        </p:nvSpPr>
-        <p:spPr/>
-        <p:txBody>
-          <a:bodyPr/>
-          <a:lstStyle/>
-          <a:p>
-            <a:r>
-              <a:rPr lang="en-US" dirty="0"/>
-              <a:t>Get started with SQL Server 2019</a:t>
-            </a:r>
-          </a:p>
-        </p:txBody>
-      </p:sp>
-      <p:sp>
-        <p:nvSpPr>
-          <p:cNvPr id="62" name="Text Placeholder 61">
-            <a:extLst>
-              <a:ext uri="{FF2B5EF4-FFF2-40B4-BE49-F238E27FC236}">
-                <a16:creationId xmlns:a16="http://schemas.microsoft.com/office/drawing/2014/main" id="{F532852F-D649-4A5C-BE35-3C2C2FFD4FD5}"/>
-              </a:ext>
-            </a:extLst>
-          </p:cNvPr>
-          <p:cNvSpPr>
-            <a:spLocks noGrp="1"/>
-          </p:cNvSpPr>
-          <p:nvPr>
-            <p:ph type="body" sz="quarter" idx="10"/>
-          </p:nvPr>
-        </p:nvSpPr>
-        <p:spPr>
-          <a:xfrm>
-            <a:off x="584200" y="1435497"/>
-            <a:ext cx="11018520" cy="4170372"/>
-          </a:xfrm>
-        </p:spPr>
-        <p:txBody>
-          <a:bodyPr/>
-          <a:lstStyle/>
-          <a:p>
-            <a:pPr marL="0" indent="0">
-              <a:spcBef>
-                <a:spcPts val="1800"/>
-              </a:spcBef>
-              <a:buNone/>
-            </a:pPr>
-            <a:r>
-              <a:rPr lang="en-US" sz="2000" dirty="0">
-                <a:latin typeface="+mn-lt"/>
-              </a:rPr>
-              <a:t>Download and try it: </a:t>
-            </a:r>
-            <a:r>
-              <a:rPr lang="en-US" sz="2000" dirty="0">
-                <a:latin typeface="+mn-lt"/>
-                <a:hlinkClick r:id="rId3"/>
-              </a:rPr>
-              <a:t>http://aka.ms/ss19</a:t>
-            </a:r>
-            <a:endParaRPr lang="en-US" sz="2000" dirty="0">
-              <a:latin typeface="+mn-lt"/>
-            </a:endParaRPr>
-          </a:p>
-          <a:p>
-            <a:pPr marL="0" indent="0">
-              <a:spcBef>
-                <a:spcPts val="1800"/>
-              </a:spcBef>
-              <a:buNone/>
-            </a:pPr>
-            <a:r>
-              <a:rPr lang="en-US" sz="2000" dirty="0">
-                <a:latin typeface="+mn-lt"/>
-              </a:rPr>
-              <a:t>Use our free training: </a:t>
-            </a:r>
-            <a:r>
-              <a:rPr lang="en-US" sz="2000" dirty="0">
-                <a:latin typeface="+mn-lt"/>
-                <a:hlinkClick r:id="rId4"/>
-              </a:rPr>
-              <a:t>https://aka.ms/sqlworkshops</a:t>
-            </a:r>
-            <a:endParaRPr lang="en-US" sz="2000" dirty="0">
-              <a:latin typeface="+mn-lt"/>
-            </a:endParaRPr>
-          </a:p>
-          <a:p>
-            <a:pPr marL="0" indent="0">
-              <a:spcBef>
-                <a:spcPts val="1800"/>
-              </a:spcBef>
-              <a:buNone/>
-            </a:pPr>
-            <a:r>
-              <a:rPr lang="en-US" sz="2000" dirty="0">
-                <a:latin typeface="+mn-lt"/>
-              </a:rPr>
-              <a:t>Use examples through our </a:t>
-            </a:r>
-            <a:r>
-              <a:rPr lang="en-US" sz="2000" dirty="0">
-                <a:latin typeface="+mn-lt"/>
-                <a:hlinkClick r:id="rId5"/>
-              </a:rPr>
-              <a:t>https://aka.ms/SQL2019Notebooks</a:t>
-            </a:r>
-            <a:endParaRPr lang="en-US" sz="2000" dirty="0">
-              <a:latin typeface="+mn-lt"/>
-            </a:endParaRPr>
-          </a:p>
-          <a:p>
-            <a:pPr marL="0" indent="0">
-              <a:spcBef>
-                <a:spcPts val="1800"/>
-              </a:spcBef>
-              <a:buNone/>
-            </a:pPr>
-            <a:r>
-              <a:rPr lang="en-US" sz="2000" dirty="0">
-                <a:latin typeface="+mn-lt"/>
-              </a:rPr>
-              <a:t>Learn from videos: </a:t>
-            </a:r>
-            <a:r>
-              <a:rPr lang="en-US" sz="2000" dirty="0">
-                <a:latin typeface="+mn-lt"/>
-                <a:hlinkClick r:id="rId6"/>
-              </a:rPr>
-              <a:t>https://aka.ms/sql2019learning</a:t>
-            </a:r>
-            <a:endParaRPr lang="en-US" sz="2000" dirty="0">
-              <a:latin typeface="+mn-lt"/>
-            </a:endParaRPr>
-          </a:p>
-          <a:p>
-            <a:pPr marL="0" indent="0">
-              <a:spcBef>
-                <a:spcPts val="1800"/>
-              </a:spcBef>
-              <a:buNone/>
-            </a:pPr>
-            <a:r>
-              <a:rPr lang="en-US" sz="2000" dirty="0">
-                <a:latin typeface="+mn-lt"/>
-              </a:rPr>
-              <a:t>Read what’s new for SQL 2019: </a:t>
-            </a:r>
-            <a:r>
-              <a:rPr lang="en-US" sz="2000" dirty="0">
-                <a:latin typeface="+mn-lt"/>
-                <a:hlinkClick r:id="rId7"/>
-              </a:rPr>
-              <a:t>documentation</a:t>
-            </a:r>
-            <a:endParaRPr lang="en-US" sz="2000" dirty="0">
-              <a:latin typeface="+mn-lt"/>
-            </a:endParaRPr>
-          </a:p>
-          <a:p>
-            <a:pPr marL="0" indent="0">
-              <a:spcBef>
-                <a:spcPts val="1800"/>
-              </a:spcBef>
-              <a:buNone/>
-            </a:pPr>
-            <a:r>
-              <a:rPr lang="en-US" sz="2000" dirty="0">
-                <a:latin typeface="+mn-lt"/>
-              </a:rPr>
-              <a:t>Watch how to Modernize SQL Server: </a:t>
-            </a:r>
-            <a:r>
-              <a:rPr lang="en-US" sz="2000" dirty="0">
-                <a:latin typeface="+mn-lt"/>
-                <a:hlinkClick r:id="rId8"/>
-              </a:rPr>
-              <a:t>check out the video</a:t>
-            </a:r>
-            <a:endParaRPr lang="en-US" sz="2000" dirty="0">
-              <a:latin typeface="+mn-lt"/>
-            </a:endParaRPr>
-          </a:p>
-          <a:p>
-            <a:pPr>
-              <a:spcBef>
-                <a:spcPts val="1800"/>
-              </a:spcBef>
-            </a:pPr>
-            <a:r>
-              <a:rPr lang="en-US" sz="2000" dirty="0"/>
-              <a:t>One shortcut to rule them all: </a:t>
-            </a:r>
-            <a:r>
-              <a:rPr lang="en-US" sz="2000" dirty="0">
-                <a:hlinkClick r:id="rId9"/>
-              </a:rPr>
-              <a:t>https://aka.ms/SQLShortcuts</a:t>
-            </a:r>
-            <a:r>
-              <a:rPr lang="en-US" sz="2000" dirty="0"/>
-              <a:t> </a:t>
-            </a:r>
-          </a:p>
-          <a:p>
-            <a:pPr marL="0" indent="0">
-              <a:spcBef>
-                <a:spcPts val="1800"/>
-              </a:spcBef>
-              <a:buNone/>
-            </a:pPr>
-            <a:r>
-              <a:rPr lang="en-US" sz="2000" dirty="0">
-                <a:latin typeface="+mn-lt"/>
-              </a:rPr>
-              <a:t>Get the book: </a:t>
-            </a:r>
-            <a:r>
-              <a:rPr lang="en-US" sz="2000" dirty="0">
-                <a:latin typeface="+mn-lt"/>
-                <a:hlinkClick r:id="rId10"/>
-              </a:rPr>
-              <a:t>https://aka.ms/sql2019book</a:t>
-            </a:r>
-            <a:endParaRPr lang="en-US" sz="2000" dirty="0">
-              <a:latin typeface="+mn-lt"/>
-            </a:endParaRPr>
-          </a:p>
-        </p:txBody>
-      </p:sp>
-      <p:pic>
-        <p:nvPicPr>
-          <p:cNvPr id="13" name="Picture 12" descr="A picture containing star, device&#10;&#10;Description automatically generated">
-            <a:extLst>
-              <a:ext uri="{FF2B5EF4-FFF2-40B4-BE49-F238E27FC236}">
-                <a16:creationId xmlns:a16="http://schemas.microsoft.com/office/drawing/2014/main" id="{C8E2B7E3-96CD-4565-8DB3-758345BDB67E}"/>
-              </a:ext>
-            </a:extLst>
-          </p:cNvPr>
-          <p:cNvPicPr>
-            <a:picLocks noChangeAspect="1"/>
-          </p:cNvPicPr>
-          <p:nvPr/>
-        </p:nvPicPr>
-        <p:blipFill>
-          <a:blip r:embed="rId11"/>
-          <a:stretch>
-            <a:fillRect/>
-          </a:stretch>
-        </p:blipFill>
-        <p:spPr>
-          <a:xfrm>
-            <a:off x="8391477" y="1435497"/>
-            <a:ext cx="2850561" cy="4067306"/>
-          </a:xfrm>
-          <a:prstGeom prst="rect">
-            <a:avLst/>
-          </a:prstGeom>
-          <a:ln>
-            <a:noFill/>
-          </a:ln>
-          <a:effectLst>
-            <a:outerShdw blurRad="190500" algn="tl" rotWithShape="0">
-              <a:srgbClr val="000000">
-                <a:alpha val="70000"/>
-              </a:srgbClr>
-            </a:outerShdw>
-          </a:effectLst>
-        </p:spPr>
-      </p:pic>
-    </p:spTree>
-    <p:extLst>
-      <p:ext uri="{BB962C8B-B14F-4D97-AF65-F5344CB8AC3E}">
-        <p14:creationId xmlns:p14="http://schemas.microsoft.com/office/powerpoint/2010/main" val="2996729775"/>
-      </p:ext>
-    </p:extLst>
-  </p:cSld>
-  <p:clrMapOvr>
-    <a:masterClrMapping/>
-  </p:clrMapOvr>
-  <p:transition>
-    <p:fade/>
-  </p:transition>
-</p:sld>
-</file>
-
-<file path=ppt/slides/slide4.xml><?xml version="1.0" encoding="utf-8"?>
 <p:sld xmlns:a="http://schemas.openxmlformats.org/drawingml/2006/main" xmlns:r="http://schemas.openxmlformats.org/officeDocument/2006/relationships" xmlns:p="http://schemas.openxmlformats.org/presentationml/2006/main">
   <p:cSld>
     <p:spTree>
@@ -49177,7 +48470,7 @@
 </p:sld>
 </file>
 
-<file path=ppt/slides/slide5.xml><?xml version="1.0" encoding="utf-8"?>
+<file path=ppt/slides/slide4.xml><?xml version="1.0" encoding="utf-8"?>
 <p:sld xmlns:a="http://schemas.openxmlformats.org/drawingml/2006/main" xmlns:r="http://schemas.openxmlformats.org/officeDocument/2006/relationships" xmlns:p="http://schemas.openxmlformats.org/presentationml/2006/main">
   <p:cSld>
     <p:spTree>
@@ -49233,7 +48526,7 @@
           <p:nvPr>
             <p:extLst>
               <p:ext uri="{D42A27DB-BD31-4B8C-83A1-F6EECF244321}">
-                <p14:modId xmlns:p14="http://schemas.microsoft.com/office/powerpoint/2010/main" val="1983483442"/>
+                <p14:modId xmlns:p14="http://schemas.microsoft.com/office/powerpoint/2010/main" val="267548064"/>
               </p:ext>
             </p:extLst>
           </p:nvPr>
@@ -49276,7 +48569,7 @@
 </p:sld>
 </file>
 
-<file path=ppt/slides/slide6.xml><?xml version="1.0" encoding="utf-8"?>
+<file path=ppt/slides/slide5.xml><?xml version="1.0" encoding="utf-8"?>
 <p:sld xmlns:a="http://schemas.openxmlformats.org/drawingml/2006/main" xmlns:r="http://schemas.openxmlformats.org/officeDocument/2006/relationships" xmlns:p="http://schemas.openxmlformats.org/presentationml/2006/main">
   <p:cSld>
     <p:spTree>
@@ -49777,7 +49070,7 @@
 </p:sld>
 </file>
 
-<file path=ppt/slides/slide7.xml><?xml version="1.0" encoding="utf-8"?>
+<file path=ppt/slides/slide6.xml><?xml version="1.0" encoding="utf-8"?>
 <p:sld xmlns:a="http://schemas.openxmlformats.org/drawingml/2006/main" xmlns:r="http://schemas.openxmlformats.org/officeDocument/2006/relationships" xmlns:p="http://schemas.openxmlformats.org/presentationml/2006/main">
   <p:cSld>
     <p:spTree>
@@ -49820,7 +49113,7 @@
                   <a:schemeClr val="accent5"/>
                 </a:solidFill>
               </a:rPr>
-              <a:t>Current Database Recovery Process</a:t>
+              <a:t>Current Database Recovery Process (ARIES)</a:t>
             </a:r>
           </a:p>
         </p:txBody>
@@ -52190,7 +51483,7 @@
 </p:sld>
 </file>
 
-<file path=ppt/slides/slide8.xml><?xml version="1.0" encoding="utf-8"?>
+<file path=ppt/slides/slide7.xml><?xml version="1.0" encoding="utf-8"?>
 <p:sld xmlns:a="http://schemas.openxmlformats.org/drawingml/2006/main" xmlns:r="http://schemas.openxmlformats.org/officeDocument/2006/relationships" xmlns:p="http://schemas.openxmlformats.org/presentationml/2006/main">
   <p:cSld>
     <p:spTree>
@@ -53127,7 +52420,7 @@
 </p:sld>
 </file>
 
-<file path=ppt/slides/slide9.xml><?xml version="1.0" encoding="utf-8"?>
+<file path=ppt/slides/slide8.xml><?xml version="1.0" encoding="utf-8"?>
 <p:sld xmlns:a="http://schemas.openxmlformats.org/drawingml/2006/main" xmlns:r="http://schemas.openxmlformats.org/officeDocument/2006/relationships" xmlns:p="http://schemas.openxmlformats.org/presentationml/2006/main">
   <p:cSld>
     <p:spTree>
@@ -53509,6 +52802,409 @@
     <p:extLst>
       <p:ext uri="{BB962C8B-B14F-4D97-AF65-F5344CB8AC3E}">
         <p14:creationId xmlns:p14="http://schemas.microsoft.com/office/powerpoint/2010/main" val="3289827717"/>
+      </p:ext>
+    </p:extLst>
+  </p:cSld>
+  <p:clrMapOvr>
+    <a:masterClrMapping/>
+  </p:clrMapOvr>
+  <mc:AlternateContent xmlns:mc="http://schemas.openxmlformats.org/markup-compatibility/2006" xmlns:p14="http://schemas.microsoft.com/office/powerpoint/2010/main">
+    <mc:Choice Requires="p14">
+      <p:transition spd="med" p14:dur="700">
+        <p:fade/>
+      </p:transition>
+    </mc:Choice>
+    <mc:Fallback xmlns="">
+      <p:transition spd="med">
+        <p:fade/>
+      </p:transition>
+    </mc:Fallback>
+  </mc:AlternateContent>
+</p:sld>
+</file>
+
+<file path=ppt/slides/slide9.xml><?xml version="1.0" encoding="utf-8"?>
+<p:sld xmlns:a="http://schemas.openxmlformats.org/drawingml/2006/main" xmlns:r="http://schemas.openxmlformats.org/officeDocument/2006/relationships" xmlns:p="http://schemas.openxmlformats.org/presentationml/2006/main">
+  <p:cSld>
+    <p:spTree>
+      <p:nvGrpSpPr>
+        <p:cNvPr id="1" name=""/>
+        <p:cNvGrpSpPr/>
+        <p:nvPr/>
+      </p:nvGrpSpPr>
+      <p:grpSpPr>
+        <a:xfrm>
+          <a:off x="0" y="0"/>
+          <a:ext cx="0" cy="0"/>
+          <a:chOff x="0" y="0"/>
+          <a:chExt cx="0" cy="0"/>
+        </a:xfrm>
+      </p:grpSpPr>
+      <p:sp>
+        <p:nvSpPr>
+          <p:cNvPr id="2" name="Title 1"/>
+          <p:cNvSpPr>
+            <a:spLocks noGrp="1"/>
+          </p:cNvSpPr>
+          <p:nvPr>
+            <p:ph type="title"/>
+          </p:nvPr>
+        </p:nvSpPr>
+        <p:spPr>
+          <a:xfrm>
+            <a:off x="269238" y="174885"/>
+            <a:ext cx="11370312" cy="1143000"/>
+          </a:xfrm>
+        </p:spPr>
+        <p:txBody>
+          <a:bodyPr/>
+          <a:lstStyle/>
+          <a:p>
+            <a:r>
+              <a:rPr lang="en-US" dirty="0">
+                <a:solidFill>
+                  <a:schemeClr val="accent5"/>
+                </a:solidFill>
+              </a:rPr>
+              <a:t>Accelerated Database Recovery Components</a:t>
+            </a:r>
+          </a:p>
+        </p:txBody>
+      </p:sp>
+      <p:sp>
+        <p:nvSpPr>
+          <p:cNvPr id="4" name="Oval 3">
+            <a:extLst>
+              <a:ext uri="{FF2B5EF4-FFF2-40B4-BE49-F238E27FC236}">
+                <a16:creationId xmlns:a16="http://schemas.microsoft.com/office/drawing/2014/main" id="{F6CFFB15-F7C5-4ED4-9B03-1573A378BBAB}"/>
+              </a:ext>
+            </a:extLst>
+          </p:cNvPr>
+          <p:cNvSpPr/>
+          <p:nvPr/>
+        </p:nvSpPr>
+        <p:spPr>
+          <a:xfrm>
+            <a:off x="1171575" y="4299210"/>
+            <a:ext cx="1809750" cy="1853940"/>
+          </a:xfrm>
+          <a:prstGeom prst="ellipse">
+            <a:avLst/>
+          </a:prstGeom>
+          <a:solidFill>
+            <a:schemeClr val="accent4">
+              <a:lumMod val="60000"/>
+              <a:lumOff val="40000"/>
+            </a:schemeClr>
+          </a:solidFill>
+        </p:spPr>
+        <p:style>
+          <a:lnRef idx="2">
+            <a:schemeClr val="accent5">
+              <a:shade val="50000"/>
+            </a:schemeClr>
+          </a:lnRef>
+          <a:fillRef idx="1">
+            <a:schemeClr val="accent5"/>
+          </a:fillRef>
+          <a:effectRef idx="0">
+            <a:schemeClr val="accent5"/>
+          </a:effectRef>
+          <a:fontRef idx="minor">
+            <a:schemeClr val="lt1"/>
+          </a:fontRef>
+        </p:style>
+        <p:txBody>
+          <a:bodyPr rtlCol="0" anchor="ctr"/>
+          <a:lstStyle/>
+          <a:p>
+            <a:pPr algn="ctr"/>
+            <a:r>
+              <a:rPr lang="en-US" sz="3200" dirty="0"/>
+              <a:t>PVS </a:t>
+            </a:r>
+          </a:p>
+          <a:p>
+            <a:pPr algn="ctr"/>
+            <a:r>
+              <a:rPr lang="en-US" sz="1400" dirty="0"/>
+              <a:t>Persisted Version Store</a:t>
+            </a:r>
+          </a:p>
+        </p:txBody>
+      </p:sp>
+      <p:sp>
+        <p:nvSpPr>
+          <p:cNvPr id="5" name="Oval 4">
+            <a:extLst>
+              <a:ext uri="{FF2B5EF4-FFF2-40B4-BE49-F238E27FC236}">
+                <a16:creationId xmlns:a16="http://schemas.microsoft.com/office/drawing/2014/main" id="{41862E9B-F096-4A58-9538-D5BA869DF9AF}"/>
+              </a:ext>
+            </a:extLst>
+          </p:cNvPr>
+          <p:cNvSpPr/>
+          <p:nvPr/>
+        </p:nvSpPr>
+        <p:spPr>
+          <a:xfrm>
+            <a:off x="3811164" y="4299210"/>
+            <a:ext cx="1809750" cy="1853940"/>
+          </a:xfrm>
+          <a:prstGeom prst="ellipse">
+            <a:avLst/>
+          </a:prstGeom>
+        </p:spPr>
+        <p:style>
+          <a:lnRef idx="2">
+            <a:schemeClr val="accent5">
+              <a:shade val="50000"/>
+            </a:schemeClr>
+          </a:lnRef>
+          <a:fillRef idx="1">
+            <a:schemeClr val="accent5"/>
+          </a:fillRef>
+          <a:effectRef idx="0">
+            <a:schemeClr val="accent5"/>
+          </a:effectRef>
+          <a:fontRef idx="minor">
+            <a:schemeClr val="lt1"/>
+          </a:fontRef>
+        </p:style>
+        <p:txBody>
+          <a:bodyPr rtlCol="0" anchor="ctr"/>
+          <a:lstStyle/>
+          <a:p>
+            <a:pPr algn="ctr"/>
+            <a:r>
+              <a:rPr lang="en-US" sz="2400" dirty="0"/>
+              <a:t>Logical Revert</a:t>
+            </a:r>
+          </a:p>
+        </p:txBody>
+      </p:sp>
+      <p:sp>
+        <p:nvSpPr>
+          <p:cNvPr id="7" name="Oval 6">
+            <a:extLst>
+              <a:ext uri="{FF2B5EF4-FFF2-40B4-BE49-F238E27FC236}">
+                <a16:creationId xmlns:a16="http://schemas.microsoft.com/office/drawing/2014/main" id="{21B52A34-5644-41B7-9057-BD1947685288}"/>
+              </a:ext>
+            </a:extLst>
+          </p:cNvPr>
+          <p:cNvSpPr/>
+          <p:nvPr/>
+        </p:nvSpPr>
+        <p:spPr>
+          <a:xfrm>
+            <a:off x="6450753" y="4299210"/>
+            <a:ext cx="1809750" cy="1853940"/>
+          </a:xfrm>
+          <a:prstGeom prst="ellipse">
+            <a:avLst/>
+          </a:prstGeom>
+          <a:solidFill>
+            <a:schemeClr val="accent4">
+              <a:lumMod val="60000"/>
+              <a:lumOff val="40000"/>
+            </a:schemeClr>
+          </a:solidFill>
+        </p:spPr>
+        <p:style>
+          <a:lnRef idx="2">
+            <a:schemeClr val="accent5">
+              <a:shade val="50000"/>
+            </a:schemeClr>
+          </a:lnRef>
+          <a:fillRef idx="1">
+            <a:schemeClr val="accent5"/>
+          </a:fillRef>
+          <a:effectRef idx="0">
+            <a:schemeClr val="accent5"/>
+          </a:effectRef>
+          <a:fontRef idx="minor">
+            <a:schemeClr val="lt1"/>
+          </a:fontRef>
+        </p:style>
+        <p:txBody>
+          <a:bodyPr rtlCol="0" anchor="ctr"/>
+          <a:lstStyle/>
+          <a:p>
+            <a:pPr algn="ctr"/>
+            <a:r>
+              <a:rPr lang="en-US" sz="2400" dirty="0"/>
+              <a:t>sLog </a:t>
+            </a:r>
+            <a:endParaRPr lang="en-US" sz="1400" dirty="0"/>
+          </a:p>
+          <a:p>
+            <a:pPr algn="ctr"/>
+            <a:r>
+              <a:rPr lang="en-US" sz="1400" dirty="0"/>
+              <a:t>Special </a:t>
+            </a:r>
+          </a:p>
+          <a:p>
+            <a:pPr algn="ctr"/>
+            <a:r>
+              <a:rPr lang="en-US" sz="1400" dirty="0"/>
+              <a:t>In-Memory Log Stream</a:t>
+            </a:r>
+            <a:endParaRPr lang="en-US" sz="2400" dirty="0"/>
+          </a:p>
+        </p:txBody>
+      </p:sp>
+      <p:sp>
+        <p:nvSpPr>
+          <p:cNvPr id="11" name="Oval 10">
+            <a:extLst>
+              <a:ext uri="{FF2B5EF4-FFF2-40B4-BE49-F238E27FC236}">
+                <a16:creationId xmlns:a16="http://schemas.microsoft.com/office/drawing/2014/main" id="{169AEC14-19B8-4547-A0B0-FFA12CA6A2D1}"/>
+              </a:ext>
+            </a:extLst>
+          </p:cNvPr>
+          <p:cNvSpPr/>
+          <p:nvPr/>
+        </p:nvSpPr>
+        <p:spPr>
+          <a:xfrm>
+            <a:off x="9090343" y="4299210"/>
+            <a:ext cx="1809750" cy="1853940"/>
+          </a:xfrm>
+          <a:prstGeom prst="ellipse">
+            <a:avLst/>
+          </a:prstGeom>
+          <a:solidFill>
+            <a:schemeClr val="accent4">
+              <a:lumMod val="60000"/>
+              <a:lumOff val="40000"/>
+            </a:schemeClr>
+          </a:solidFill>
+        </p:spPr>
+        <p:style>
+          <a:lnRef idx="2">
+            <a:schemeClr val="accent5">
+              <a:shade val="50000"/>
+            </a:schemeClr>
+          </a:lnRef>
+          <a:fillRef idx="1">
+            <a:schemeClr val="accent5"/>
+          </a:fillRef>
+          <a:effectRef idx="0">
+            <a:schemeClr val="accent5"/>
+          </a:effectRef>
+          <a:fontRef idx="minor">
+            <a:schemeClr val="lt1"/>
+          </a:fontRef>
+        </p:style>
+        <p:txBody>
+          <a:bodyPr rtlCol="0" anchor="ctr"/>
+          <a:lstStyle/>
+          <a:p>
+            <a:pPr algn="ctr"/>
+            <a:r>
+              <a:rPr lang="en-US" sz="2400" dirty="0"/>
+              <a:t>Cleaner</a:t>
+            </a:r>
+          </a:p>
+        </p:txBody>
+      </p:sp>
+      <p:graphicFrame>
+        <p:nvGraphicFramePr>
+          <p:cNvPr id="14" name="Diagram 13">
+            <a:extLst>
+              <a:ext uri="{FF2B5EF4-FFF2-40B4-BE49-F238E27FC236}">
+                <a16:creationId xmlns:a16="http://schemas.microsoft.com/office/drawing/2014/main" id="{49F498C4-E109-46D2-8DC1-C4AFD1651309}"/>
+              </a:ext>
+            </a:extLst>
+          </p:cNvPr>
+          <p:cNvGraphicFramePr/>
+          <p:nvPr>
+            <p:extLst>
+              <p:ext uri="{D42A27DB-BD31-4B8C-83A1-F6EECF244321}">
+                <p14:modId xmlns:p14="http://schemas.microsoft.com/office/powerpoint/2010/main" val="342142124"/>
+              </p:ext>
+            </p:extLst>
+          </p:nvPr>
+        </p:nvGraphicFramePr>
+        <p:xfrm>
+          <a:off x="429894" y="951710"/>
+          <a:ext cx="11049000" cy="3252259"/>
+        </p:xfrm>
+        <a:graphic>
+          <a:graphicData uri="http://schemas.openxmlformats.org/drawingml/2006/diagram">
+            <dgm:relIds xmlns:dgm="http://schemas.openxmlformats.org/drawingml/2006/diagram" xmlns:r="http://schemas.openxmlformats.org/officeDocument/2006/relationships" r:dm="rId4" r:lo="rId5" r:qs="rId6" r:cs="rId7"/>
+          </a:graphicData>
+        </a:graphic>
+      </p:graphicFrame>
+      <p:sp>
+        <p:nvSpPr>
+          <p:cNvPr id="3" name="Oval 2">
+            <a:extLst>
+              <a:ext uri="{FF2B5EF4-FFF2-40B4-BE49-F238E27FC236}">
+                <a16:creationId xmlns:a16="http://schemas.microsoft.com/office/drawing/2014/main" id="{D4EE3785-7CE5-46D1-AED6-FF27CC750693}"/>
+              </a:ext>
+            </a:extLst>
+          </p:cNvPr>
+          <p:cNvSpPr/>
+          <p:nvPr/>
+        </p:nvSpPr>
+        <p:spPr>
+          <a:xfrm>
+            <a:off x="3779884" y="4299210"/>
+            <a:ext cx="1841029" cy="1862822"/>
+          </a:xfrm>
+          <a:prstGeom prst="ellipse">
+            <a:avLst/>
+          </a:prstGeom>
+          <a:noFill/>
+          <a:ln>
+            <a:solidFill>
+              <a:schemeClr val="accent3">
+                <a:lumMod val="50000"/>
+              </a:schemeClr>
+            </a:solidFill>
+          </a:ln>
+          <a:effectLst>
+            <a:glow rad="228600">
+              <a:schemeClr val="accent3">
+                <a:satMod val="175000"/>
+                <a:alpha val="40000"/>
+              </a:schemeClr>
+            </a:glow>
+          </a:effectLst>
+        </p:spPr>
+        <p:style>
+          <a:lnRef idx="2">
+            <a:schemeClr val="accent1">
+              <a:shade val="50000"/>
+            </a:schemeClr>
+          </a:lnRef>
+          <a:fillRef idx="1">
+            <a:schemeClr val="accent1"/>
+          </a:fillRef>
+          <a:effectRef idx="0">
+            <a:schemeClr val="accent1"/>
+          </a:effectRef>
+          <a:fontRef idx="minor">
+            <a:schemeClr val="lt1"/>
+          </a:fontRef>
+        </p:style>
+        <p:txBody>
+          <a:bodyPr rtlCol="0" anchor="ctr"/>
+          <a:lstStyle/>
+          <a:p>
+            <a:pPr algn="ctr"/>
+            <a:endParaRPr lang="en-US"/>
+          </a:p>
+        </p:txBody>
+      </p:sp>
+    </p:spTree>
+    <p:custDataLst>
+      <p:tags r:id="rId1"/>
+    </p:custDataLst>
+    <p:extLst>
+      <p:ext uri="{BB962C8B-B14F-4D97-AF65-F5344CB8AC3E}">
+        <p14:creationId xmlns:p14="http://schemas.microsoft.com/office/powerpoint/2010/main" val="368539344"/>
       </p:ext>
     </p:extLst>
   </p:cSld>
